--- a/RRAM_NEMS.pptx
+++ b/RRAM_NEMS.pptx
@@ -5,7 +5,7 @@
     <p:sldMasterId id="2147483648" r:id="rId1"/>
   </p:sldMasterIdLst>
   <p:notesMasterIdLst>
-    <p:notesMasterId r:id="rId34"/>
+    <p:notesMasterId r:id="rId35"/>
   </p:notesMasterIdLst>
   <p:sldIdLst>
     <p:sldId id="259" r:id="rId2"/>
@@ -27,19 +27,20 @@
     <p:sldId id="264" r:id="rId18"/>
     <p:sldId id="274" r:id="rId19"/>
     <p:sldId id="256" r:id="rId20"/>
-    <p:sldId id="281" r:id="rId21"/>
-    <p:sldId id="272" r:id="rId22"/>
-    <p:sldId id="265" r:id="rId23"/>
-    <p:sldId id="277" r:id="rId24"/>
-    <p:sldId id="280" r:id="rId25"/>
-    <p:sldId id="276" r:id="rId26"/>
-    <p:sldId id="279" r:id="rId27"/>
-    <p:sldId id="289" r:id="rId28"/>
-    <p:sldId id="278" r:id="rId29"/>
-    <p:sldId id="275" r:id="rId30"/>
-    <p:sldId id="257" r:id="rId31"/>
-    <p:sldId id="282" r:id="rId32"/>
-    <p:sldId id="283" r:id="rId33"/>
+    <p:sldId id="290" r:id="rId21"/>
+    <p:sldId id="281" r:id="rId22"/>
+    <p:sldId id="272" r:id="rId23"/>
+    <p:sldId id="265" r:id="rId24"/>
+    <p:sldId id="277" r:id="rId25"/>
+    <p:sldId id="280" r:id="rId26"/>
+    <p:sldId id="276" r:id="rId27"/>
+    <p:sldId id="279" r:id="rId28"/>
+    <p:sldId id="289" r:id="rId29"/>
+    <p:sldId id="278" r:id="rId30"/>
+    <p:sldId id="275" r:id="rId31"/>
+    <p:sldId id="257" r:id="rId32"/>
+    <p:sldId id="282" r:id="rId33"/>
+    <p:sldId id="283" r:id="rId34"/>
   </p:sldIdLst>
   <p:sldSz cx="12192000" cy="6858000"/>
   <p:notesSz cx="6858000" cy="9144000"/>
@@ -162,6 +163,7 @@
             <p14:sldId id="264"/>
             <p14:sldId id="274"/>
             <p14:sldId id="256"/>
+            <p14:sldId id="290"/>
             <p14:sldId id="281"/>
             <p14:sldId id="272"/>
             <p14:sldId id="265"/>
@@ -193,7 +195,7 @@
 <file path=ppt/revisionInfo.xml><?xml version="1.0" encoding="utf-8"?>
 <p1510:revInfo xmlns:a="http://schemas.openxmlformats.org/drawingml/2006/main" xmlns:r="http://schemas.openxmlformats.org/officeDocument/2006/relationships" xmlns:p1510="http://schemas.microsoft.com/office/powerpoint/2015/10/main">
   <p1510:revLst>
-    <p1510:client id="{FFE15580-7123-9E48-A552-9F128259161C}" v="30" dt="2019-02-15T00:43:46.339"/>
+    <p1510:client id="{FFE15580-7123-9E48-A552-9F128259161C}" v="52" dt="2019-02-26T23:58:39.814"/>
   </p1510:revLst>
 </p1510:revInfo>
 </file>
@@ -202,8 +204,8 @@
 <pc:chgInfo xmlns:a="http://schemas.openxmlformats.org/drawingml/2006/main" xmlns:r="http://schemas.openxmlformats.org/officeDocument/2006/relationships" xmlns:ac="http://schemas.microsoft.com/office/drawing/2013/main/command" xmlns:pc="http://schemas.microsoft.com/office/powerpoint/2013/main/command">
   <pc:docChgLst>
     <pc:chgData name="Akash Levy" userId="0f662538-7453-45f3-952a-fc9f1a7c515e" providerId="ADAL" clId="{FFE15580-7123-9E48-A552-9F128259161C}"/>
-    <pc:docChg chg="undo custSel addSld modSld">
-      <pc:chgData name="Akash Levy" userId="0f662538-7453-45f3-952a-fc9f1a7c515e" providerId="ADAL" clId="{FFE15580-7123-9E48-A552-9F128259161C}" dt="2019-02-15T00:44:37.415" v="286" actId="1076"/>
+    <pc:docChg chg="undo redo custSel addSld modSld">
+      <pc:chgData name="Akash Levy" userId="0f662538-7453-45f3-952a-fc9f1a7c515e" providerId="ADAL" clId="{FFE15580-7123-9E48-A552-9F128259161C}" dt="2019-02-26T23:59:43.736" v="387" actId="478"/>
       <pc:docMkLst>
         <pc:docMk/>
       </pc:docMkLst>
@@ -773,6 +775,253 @@
           </ac:cxnSpMkLst>
         </pc:cxnChg>
       </pc:sldChg>
+      <pc:sldChg chg="addSp delSp modSp add setBg">
+        <pc:chgData name="Akash Levy" userId="0f662538-7453-45f3-952a-fc9f1a7c515e" providerId="ADAL" clId="{FFE15580-7123-9E48-A552-9F128259161C}" dt="2019-02-26T23:59:43.736" v="387" actId="478"/>
+        <pc:sldMkLst>
+          <pc:docMk/>
+          <pc:sldMk cId="1040422343" sldId="290"/>
+        </pc:sldMkLst>
+        <pc:spChg chg="del mod">
+          <ac:chgData name="Akash Levy" userId="0f662538-7453-45f3-952a-fc9f1a7c515e" providerId="ADAL" clId="{FFE15580-7123-9E48-A552-9F128259161C}" dt="2019-02-26T23:52:40.782" v="308" actId="478"/>
+          <ac:spMkLst>
+            <pc:docMk/>
+            <pc:sldMk cId="1040422343" sldId="290"/>
+            <ac:spMk id="2" creationId="{44D8CD21-F3A2-2E43-A5B5-4D555C27AFEE}"/>
+          </ac:spMkLst>
+        </pc:spChg>
+        <pc:spChg chg="del">
+          <ac:chgData name="Akash Levy" userId="0f662538-7453-45f3-952a-fc9f1a7c515e" providerId="ADAL" clId="{FFE15580-7123-9E48-A552-9F128259161C}" dt="2019-02-26T23:52:13.880" v="303"/>
+          <ac:spMkLst>
+            <pc:docMk/>
+            <pc:sldMk cId="1040422343" sldId="290"/>
+            <ac:spMk id="3" creationId="{C0A06BCF-FF91-3B4B-AA85-2B624290C353}"/>
+          </ac:spMkLst>
+        </pc:spChg>
+        <pc:spChg chg="add del mod">
+          <ac:chgData name="Akash Levy" userId="0f662538-7453-45f3-952a-fc9f1a7c515e" providerId="ADAL" clId="{FFE15580-7123-9E48-A552-9F128259161C}" dt="2019-02-26T23:53:10.354" v="313" actId="478"/>
+          <ac:spMkLst>
+            <pc:docMk/>
+            <pc:sldMk cId="1040422343" sldId="290"/>
+            <ac:spMk id="6" creationId="{A0D40142-4653-1645-A55F-235A61940C87}"/>
+          </ac:spMkLst>
+        </pc:spChg>
+        <pc:spChg chg="add mod">
+          <ac:chgData name="Akash Levy" userId="0f662538-7453-45f3-952a-fc9f1a7c515e" providerId="ADAL" clId="{FFE15580-7123-9E48-A552-9F128259161C}" dt="2019-02-26T23:56:32.121" v="349" actId="1076"/>
+          <ac:spMkLst>
+            <pc:docMk/>
+            <pc:sldMk cId="1040422343" sldId="290"/>
+            <ac:spMk id="22" creationId="{23313A35-286C-A548-89E8-30918527EC06}"/>
+          </ac:spMkLst>
+        </pc:spChg>
+        <pc:spChg chg="add mod">
+          <ac:chgData name="Akash Levy" userId="0f662538-7453-45f3-952a-fc9f1a7c515e" providerId="ADAL" clId="{FFE15580-7123-9E48-A552-9F128259161C}" dt="2019-02-26T23:56:50.137" v="357" actId="1076"/>
+          <ac:spMkLst>
+            <pc:docMk/>
+            <pc:sldMk cId="1040422343" sldId="290"/>
+            <ac:spMk id="25" creationId="{37C66D03-3622-F043-9010-30D72E0EE2F0}"/>
+          </ac:spMkLst>
+        </pc:spChg>
+        <pc:spChg chg="add mod">
+          <ac:chgData name="Akash Levy" userId="0f662538-7453-45f3-952a-fc9f1a7c515e" providerId="ADAL" clId="{FFE15580-7123-9E48-A552-9F128259161C}" dt="2019-02-26T23:57:02.828" v="362" actId="20577"/>
+          <ac:spMkLst>
+            <pc:docMk/>
+            <pc:sldMk cId="1040422343" sldId="290"/>
+            <ac:spMk id="26" creationId="{2DA43112-CC90-304B-8E9B-9F754D60C033}"/>
+          </ac:spMkLst>
+        </pc:spChg>
+        <pc:spChg chg="add mod">
+          <ac:chgData name="Akash Levy" userId="0f662538-7453-45f3-952a-fc9f1a7c515e" providerId="ADAL" clId="{FFE15580-7123-9E48-A552-9F128259161C}" dt="2019-02-26T23:57:26.803" v="368" actId="1076"/>
+          <ac:spMkLst>
+            <pc:docMk/>
+            <pc:sldMk cId="1040422343" sldId="290"/>
+            <ac:spMk id="27" creationId="{E6A0B4F5-11CA-294B-B5AA-AB8E293BFCDA}"/>
+          </ac:spMkLst>
+        </pc:spChg>
+        <pc:spChg chg="add mod">
+          <ac:chgData name="Akash Levy" userId="0f662538-7453-45f3-952a-fc9f1a7c515e" providerId="ADAL" clId="{FFE15580-7123-9E48-A552-9F128259161C}" dt="2019-02-26T23:58:02.941" v="379" actId="1076"/>
+          <ac:spMkLst>
+            <pc:docMk/>
+            <pc:sldMk cId="1040422343" sldId="290"/>
+            <ac:spMk id="28" creationId="{9202DF3F-FCA6-6D4C-ADF8-7970747E2AF9}"/>
+          </ac:spMkLst>
+        </pc:spChg>
+        <pc:spChg chg="add mod">
+          <ac:chgData name="Akash Levy" userId="0f662538-7453-45f3-952a-fc9f1a7c515e" providerId="ADAL" clId="{FFE15580-7123-9E48-A552-9F128259161C}" dt="2019-02-26T23:58:25.029" v="381" actId="1076"/>
+          <ac:spMkLst>
+            <pc:docMk/>
+            <pc:sldMk cId="1040422343" sldId="290"/>
+            <ac:spMk id="29" creationId="{4727F084-6D69-FD45-BDEB-58A6A5FE1E96}"/>
+          </ac:spMkLst>
+        </pc:spChg>
+        <pc:spChg chg="add mod">
+          <ac:chgData name="Akash Levy" userId="0f662538-7453-45f3-952a-fc9f1a7c515e" providerId="ADAL" clId="{FFE15580-7123-9E48-A552-9F128259161C}" dt="2019-02-26T23:58:25.029" v="381" actId="1076"/>
+          <ac:spMkLst>
+            <pc:docMk/>
+            <pc:sldMk cId="1040422343" sldId="290"/>
+            <ac:spMk id="30" creationId="{20D7FEFA-0691-4347-9FE7-EB7C0FD81C34}"/>
+          </ac:spMkLst>
+        </pc:spChg>
+        <pc:spChg chg="add mod">
+          <ac:chgData name="Akash Levy" userId="0f662538-7453-45f3-952a-fc9f1a7c515e" providerId="ADAL" clId="{FFE15580-7123-9E48-A552-9F128259161C}" dt="2019-02-26T23:58:25.029" v="381" actId="1076"/>
+          <ac:spMkLst>
+            <pc:docMk/>
+            <pc:sldMk cId="1040422343" sldId="290"/>
+            <ac:spMk id="31" creationId="{4E82259F-9581-B149-9E1B-83EBE1CE2749}"/>
+          </ac:spMkLst>
+        </pc:spChg>
+        <pc:spChg chg="add mod">
+          <ac:chgData name="Akash Levy" userId="0f662538-7453-45f3-952a-fc9f1a7c515e" providerId="ADAL" clId="{FFE15580-7123-9E48-A552-9F128259161C}" dt="2019-02-26T23:58:33.530" v="384" actId="1076"/>
+          <ac:spMkLst>
+            <pc:docMk/>
+            <pc:sldMk cId="1040422343" sldId="290"/>
+            <ac:spMk id="32" creationId="{849E87E6-017A-3B4B-9F31-95E4AC4B8F44}"/>
+          </ac:spMkLst>
+        </pc:spChg>
+        <pc:spChg chg="add mod">
+          <ac:chgData name="Akash Levy" userId="0f662538-7453-45f3-952a-fc9f1a7c515e" providerId="ADAL" clId="{FFE15580-7123-9E48-A552-9F128259161C}" dt="2019-02-26T23:58:25.029" v="381" actId="1076"/>
+          <ac:spMkLst>
+            <pc:docMk/>
+            <pc:sldMk cId="1040422343" sldId="290"/>
+            <ac:spMk id="33" creationId="{AFAEFBE2-88BD-1D47-A189-F66D0314D499}"/>
+          </ac:spMkLst>
+        </pc:spChg>
+        <pc:spChg chg="add mod">
+          <ac:chgData name="Akash Levy" userId="0f662538-7453-45f3-952a-fc9f1a7c515e" providerId="ADAL" clId="{FFE15580-7123-9E48-A552-9F128259161C}" dt="2019-02-26T23:58:45.681" v="386" actId="1076"/>
+          <ac:spMkLst>
+            <pc:docMk/>
+            <pc:sldMk cId="1040422343" sldId="290"/>
+            <ac:spMk id="34" creationId="{961DEA5A-8F55-C14E-A84F-AED8534ED3C4}"/>
+          </ac:spMkLst>
+        </pc:spChg>
+        <pc:spChg chg="add mod">
+          <ac:chgData name="Akash Levy" userId="0f662538-7453-45f3-952a-fc9f1a7c515e" providerId="ADAL" clId="{FFE15580-7123-9E48-A552-9F128259161C}" dt="2019-02-26T23:58:45.681" v="386" actId="1076"/>
+          <ac:spMkLst>
+            <pc:docMk/>
+            <pc:sldMk cId="1040422343" sldId="290"/>
+            <ac:spMk id="35" creationId="{596480BB-2457-694B-85B7-C4AA71A8D199}"/>
+          </ac:spMkLst>
+        </pc:spChg>
+        <pc:picChg chg="add mod">
+          <ac:chgData name="Akash Levy" userId="0f662538-7453-45f3-952a-fc9f1a7c515e" providerId="ADAL" clId="{FFE15580-7123-9E48-A552-9F128259161C}" dt="2019-02-26T23:56:08.945" v="344" actId="1076"/>
+          <ac:picMkLst>
+            <pc:docMk/>
+            <pc:sldMk cId="1040422343" sldId="290"/>
+            <ac:picMk id="4" creationId="{C13039E9-16C7-D044-9482-516FA3C42EB9}"/>
+          </ac:picMkLst>
+        </pc:picChg>
+        <pc:cxnChg chg="add mod">
+          <ac:chgData name="Akash Levy" userId="0f662538-7453-45f3-952a-fc9f1a7c515e" providerId="ADAL" clId="{FFE15580-7123-9E48-A552-9F128259161C}" dt="2019-02-26T23:54:38.355" v="320" actId="693"/>
+          <ac:cxnSpMkLst>
+            <pc:docMk/>
+            <pc:sldMk cId="1040422343" sldId="290"/>
+            <ac:cxnSpMk id="8" creationId="{D34929EF-5A25-274E-A6AB-36F96D31D12F}"/>
+          </ac:cxnSpMkLst>
+        </pc:cxnChg>
+        <pc:cxnChg chg="add mod">
+          <ac:chgData name="Akash Levy" userId="0f662538-7453-45f3-952a-fc9f1a7c515e" providerId="ADAL" clId="{FFE15580-7123-9E48-A552-9F128259161C}" dt="2019-02-26T23:54:50.469" v="322" actId="1076"/>
+          <ac:cxnSpMkLst>
+            <pc:docMk/>
+            <pc:sldMk cId="1040422343" sldId="290"/>
+            <ac:cxnSpMk id="11" creationId="{54C469AB-CBEE-6C49-9160-1E75F784C30D}"/>
+          </ac:cxnSpMkLst>
+        </pc:cxnChg>
+        <pc:cxnChg chg="add mod">
+          <ac:chgData name="Akash Levy" userId="0f662538-7453-45f3-952a-fc9f1a7c515e" providerId="ADAL" clId="{FFE15580-7123-9E48-A552-9F128259161C}" dt="2019-02-26T23:55:01.481" v="324" actId="1076"/>
+          <ac:cxnSpMkLst>
+            <pc:docMk/>
+            <pc:sldMk cId="1040422343" sldId="290"/>
+            <ac:cxnSpMk id="12" creationId="{6ED8E4F2-CF8A-4E43-A173-8C3D473E40B2}"/>
+          </ac:cxnSpMkLst>
+        </pc:cxnChg>
+        <pc:cxnChg chg="add mod">
+          <ac:chgData name="Akash Levy" userId="0f662538-7453-45f3-952a-fc9f1a7c515e" providerId="ADAL" clId="{FFE15580-7123-9E48-A552-9F128259161C}" dt="2019-02-26T23:55:01.481" v="324" actId="1076"/>
+          <ac:cxnSpMkLst>
+            <pc:docMk/>
+            <pc:sldMk cId="1040422343" sldId="290"/>
+            <ac:cxnSpMk id="13" creationId="{5D93A1D7-B0D6-8C49-96F9-FEE337CCB4D6}"/>
+          </ac:cxnSpMkLst>
+        </pc:cxnChg>
+        <pc:cxnChg chg="add mod">
+          <ac:chgData name="Akash Levy" userId="0f662538-7453-45f3-952a-fc9f1a7c515e" providerId="ADAL" clId="{FFE15580-7123-9E48-A552-9F128259161C}" dt="2019-02-26T23:55:15.785" v="326" actId="1076"/>
+          <ac:cxnSpMkLst>
+            <pc:docMk/>
+            <pc:sldMk cId="1040422343" sldId="290"/>
+            <ac:cxnSpMk id="14" creationId="{6BF8F629-04C2-BF40-A724-12C9408C9672}"/>
+          </ac:cxnSpMkLst>
+        </pc:cxnChg>
+        <pc:cxnChg chg="add mod">
+          <ac:chgData name="Akash Levy" userId="0f662538-7453-45f3-952a-fc9f1a7c515e" providerId="ADAL" clId="{FFE15580-7123-9E48-A552-9F128259161C}" dt="2019-02-26T23:55:15.785" v="326" actId="1076"/>
+          <ac:cxnSpMkLst>
+            <pc:docMk/>
+            <pc:sldMk cId="1040422343" sldId="290"/>
+            <ac:cxnSpMk id="15" creationId="{019BD2AE-4436-DF4B-99A1-AC991B194451}"/>
+          </ac:cxnSpMkLst>
+        </pc:cxnChg>
+        <pc:cxnChg chg="add mod">
+          <ac:chgData name="Akash Levy" userId="0f662538-7453-45f3-952a-fc9f1a7c515e" providerId="ADAL" clId="{FFE15580-7123-9E48-A552-9F128259161C}" dt="2019-02-26T23:55:22.933" v="328" actId="1076"/>
+          <ac:cxnSpMkLst>
+            <pc:docMk/>
+            <pc:sldMk cId="1040422343" sldId="290"/>
+            <ac:cxnSpMk id="16" creationId="{E8BC7D6F-50D6-4842-97DC-5B3A5C4CDE81}"/>
+          </ac:cxnSpMkLst>
+        </pc:cxnChg>
+        <pc:cxnChg chg="add mod">
+          <ac:chgData name="Akash Levy" userId="0f662538-7453-45f3-952a-fc9f1a7c515e" providerId="ADAL" clId="{FFE15580-7123-9E48-A552-9F128259161C}" dt="2019-02-26T23:55:22.933" v="328" actId="1076"/>
+          <ac:cxnSpMkLst>
+            <pc:docMk/>
+            <pc:sldMk cId="1040422343" sldId="290"/>
+            <ac:cxnSpMk id="17" creationId="{C5CBD1B2-5B2A-DB4F-BBE2-BC93F4C583FE}"/>
+          </ac:cxnSpMkLst>
+        </pc:cxnChg>
+        <pc:cxnChg chg="add mod">
+          <ac:chgData name="Akash Levy" userId="0f662538-7453-45f3-952a-fc9f1a7c515e" providerId="ADAL" clId="{FFE15580-7123-9E48-A552-9F128259161C}" dt="2019-02-26T23:55:31.178" v="330" actId="1076"/>
+          <ac:cxnSpMkLst>
+            <pc:docMk/>
+            <pc:sldMk cId="1040422343" sldId="290"/>
+            <ac:cxnSpMk id="18" creationId="{71780B0B-50CE-DB4C-8D75-7D81D56AAA6D}"/>
+          </ac:cxnSpMkLst>
+        </pc:cxnChg>
+        <pc:cxnChg chg="add mod">
+          <ac:chgData name="Akash Levy" userId="0f662538-7453-45f3-952a-fc9f1a7c515e" providerId="ADAL" clId="{FFE15580-7123-9E48-A552-9F128259161C}" dt="2019-02-26T23:55:31.178" v="330" actId="1076"/>
+          <ac:cxnSpMkLst>
+            <pc:docMk/>
+            <pc:sldMk cId="1040422343" sldId="290"/>
+            <ac:cxnSpMk id="19" creationId="{DC5A56E4-F5BE-CB47-B3B0-284976138166}"/>
+          </ac:cxnSpMkLst>
+        </pc:cxnChg>
+        <pc:cxnChg chg="add mod">
+          <ac:chgData name="Akash Levy" userId="0f662538-7453-45f3-952a-fc9f1a7c515e" providerId="ADAL" clId="{FFE15580-7123-9E48-A552-9F128259161C}" dt="2019-02-26T23:55:38.131" v="332" actId="1076"/>
+          <ac:cxnSpMkLst>
+            <pc:docMk/>
+            <pc:sldMk cId="1040422343" sldId="290"/>
+            <ac:cxnSpMk id="20" creationId="{996C650D-385D-2944-AB43-597A11423053}"/>
+          </ac:cxnSpMkLst>
+        </pc:cxnChg>
+        <pc:cxnChg chg="add del mod">
+          <ac:chgData name="Akash Levy" userId="0f662538-7453-45f3-952a-fc9f1a7c515e" providerId="ADAL" clId="{FFE15580-7123-9E48-A552-9F128259161C}" dt="2019-02-26T23:59:43.736" v="387" actId="478"/>
+          <ac:cxnSpMkLst>
+            <pc:docMk/>
+            <pc:sldMk cId="1040422343" sldId="290"/>
+            <ac:cxnSpMk id="21" creationId="{73F2751F-C0B8-7D4B-969C-54D07DBA47FD}"/>
+          </ac:cxnSpMkLst>
+        </pc:cxnChg>
+        <pc:cxnChg chg="add del">
+          <ac:chgData name="Akash Levy" userId="0f662538-7453-45f3-952a-fc9f1a7c515e" providerId="ADAL" clId="{FFE15580-7123-9E48-A552-9F128259161C}" dt="2019-02-26T23:56:26.179" v="347"/>
+          <ac:cxnSpMkLst>
+            <pc:docMk/>
+            <pc:sldMk cId="1040422343" sldId="290"/>
+            <ac:cxnSpMk id="23" creationId="{6AA119C8-D4B5-0F4B-9FCF-B61B928FF489}"/>
+          </ac:cxnSpMkLst>
+        </pc:cxnChg>
+        <pc:cxnChg chg="add del">
+          <ac:chgData name="Akash Levy" userId="0f662538-7453-45f3-952a-fc9f1a7c515e" providerId="ADAL" clId="{FFE15580-7123-9E48-A552-9F128259161C}" dt="2019-02-26T23:56:26.179" v="347"/>
+          <ac:cxnSpMkLst>
+            <pc:docMk/>
+            <pc:sldMk cId="1040422343" sldId="290"/>
+            <ac:cxnSpMk id="24" creationId="{1FE536B5-AE60-F34D-B74E-1E0C333D1AD2}"/>
+          </ac:cxnSpMkLst>
+        </pc:cxnChg>
+      </pc:sldChg>
     </pc:docChg>
   </pc:docChgLst>
 </pc:chgInfo>
@@ -860,7 +1109,7 @@
           <a:p>
             <a:fld id="{B96C8DF4-F026-A24A-993C-C95A7E287F4A}" type="datetimeFigureOut">
               <a:rPr lang="en-US" smtClean="0"/>
-              <a:t>2/12/19</a:t>
+              <a:t>2/26/19</a:t>
             </a:fld>
             <a:endParaRPr lang="en-US"/>
           </a:p>
@@ -1314,6 +1563,105 @@
           <a:p>
             <a:r>
               <a:rPr lang="en-US" dirty="0"/>
+              <a:t>(single stream for reduced I/O pin requirement)</a:t>
+            </a:r>
+          </a:p>
+          <a:p>
+            <a:r>
+              <a:rPr lang="en-US" dirty="0"/>
+              <a:t>Probably want to do this on-chip to reduce pin requirement</a:t>
+            </a:r>
+          </a:p>
+          <a:p>
+            <a:r>
+              <a:rPr lang="en-US" dirty="0"/>
+              <a:t>Column controller is similar</a:t>
+            </a:r>
+          </a:p>
+        </p:txBody>
+      </p:sp>
+      <p:sp>
+        <p:nvSpPr>
+          <p:cNvPr id="4" name="Slide Number Placeholder 3"/>
+          <p:cNvSpPr>
+            <a:spLocks noGrp="1"/>
+          </p:cNvSpPr>
+          <p:nvPr>
+            <p:ph type="sldNum" sz="quarter" idx="5"/>
+          </p:nvPr>
+        </p:nvSpPr>
+        <p:spPr/>
+        <p:txBody>
+          <a:bodyPr/>
+          <a:lstStyle/>
+          <a:p>
+            <a:fld id="{C02BCE1B-0358-064B-A696-3D0408AA6E41}" type="slidenum">
+              <a:rPr lang="en-US" smtClean="0"/>
+              <a:t>21</a:t>
+            </a:fld>
+            <a:endParaRPr lang="en-US"/>
+          </a:p>
+        </p:txBody>
+      </p:sp>
+    </p:spTree>
+    <p:extLst>
+      <p:ext uri="{BB962C8B-B14F-4D97-AF65-F5344CB8AC3E}">
+        <p14:creationId xmlns:p14="http://schemas.microsoft.com/office/powerpoint/2010/main" val="4242202001"/>
+      </p:ext>
+    </p:extLst>
+  </p:cSld>
+  <p:clrMapOvr>
+    <a:masterClrMapping/>
+  </p:clrMapOvr>
+</p:notes>
+</file>
+
+<file path=ppt/notesSlides/notesSlide11.xml><?xml version="1.0" encoding="utf-8"?>
+<p:notes xmlns:a="http://schemas.openxmlformats.org/drawingml/2006/main" xmlns:r="http://schemas.openxmlformats.org/officeDocument/2006/relationships" xmlns:p="http://schemas.openxmlformats.org/presentationml/2006/main">
+  <p:cSld>
+    <p:spTree>
+      <p:nvGrpSpPr>
+        <p:cNvPr id="1" name=""/>
+        <p:cNvGrpSpPr/>
+        <p:nvPr/>
+      </p:nvGrpSpPr>
+      <p:grpSpPr>
+        <a:xfrm>
+          <a:off x="0" y="0"/>
+          <a:ext cx="0" cy="0"/>
+          <a:chOff x="0" y="0"/>
+          <a:chExt cx="0" cy="0"/>
+        </a:xfrm>
+      </p:grpSpPr>
+      <p:sp>
+        <p:nvSpPr>
+          <p:cNvPr id="2" name="Slide Image Placeholder 1"/>
+          <p:cNvSpPr>
+            <a:spLocks noGrp="1" noRot="1" noChangeAspect="1"/>
+          </p:cNvSpPr>
+          <p:nvPr>
+            <p:ph type="sldImg"/>
+          </p:nvPr>
+        </p:nvSpPr>
+        <p:spPr/>
+      </p:sp>
+      <p:sp>
+        <p:nvSpPr>
+          <p:cNvPr id="3" name="Notes Placeholder 2"/>
+          <p:cNvSpPr>
+            <a:spLocks noGrp="1"/>
+          </p:cNvSpPr>
+          <p:nvPr>
+            <p:ph type="body" idx="1"/>
+          </p:nvPr>
+        </p:nvSpPr>
+        <p:spPr/>
+        <p:txBody>
+          <a:bodyPr/>
+          <a:lstStyle/>
+          <a:p>
+            <a:r>
+              <a:rPr lang="en-US" dirty="0"/>
               <a:t>CLB: configurable logic block</a:t>
             </a:r>
           </a:p>
@@ -1348,7 +1696,7 @@
           <a:p>
             <a:fld id="{C02BCE1B-0358-064B-A696-3D0408AA6E41}" type="slidenum">
               <a:rPr lang="en-US" smtClean="0"/>
-              <a:t>22</a:t>
+              <a:t>23</a:t>
             </a:fld>
             <a:endParaRPr lang="en-US"/>
           </a:p>
@@ -1367,7 +1715,7 @@
 </p:notes>
 </file>
 
-<file path=ppt/notesSlides/notesSlide11.xml><?xml version="1.0" encoding="utf-8"?>
+<file path=ppt/notesSlides/notesSlide12.xml><?xml version="1.0" encoding="utf-8"?>
 <p:notes xmlns:a="http://schemas.openxmlformats.org/drawingml/2006/main" xmlns:r="http://schemas.openxmlformats.org/officeDocument/2006/relationships" xmlns:p="http://schemas.openxmlformats.org/presentationml/2006/main">
   <p:cSld>
     <p:spTree>
@@ -1478,7 +1826,7 @@
           <a:p>
             <a:fld id="{C02BCE1B-0358-064B-A696-3D0408AA6E41}" type="slidenum">
               <a:rPr lang="en-US" smtClean="0"/>
-              <a:t>24</a:t>
+              <a:t>25</a:t>
             </a:fld>
             <a:endParaRPr lang="en-US"/>
           </a:p>
@@ -1497,7 +1845,7 @@
 </p:notes>
 </file>
 
-<file path=ppt/notesSlides/notesSlide12.xml><?xml version="1.0" encoding="utf-8"?>
+<file path=ppt/notesSlides/notesSlide13.xml><?xml version="1.0" encoding="utf-8"?>
 <p:notes xmlns:a="http://schemas.openxmlformats.org/drawingml/2006/main" xmlns:r="http://schemas.openxmlformats.org/officeDocument/2006/relationships" xmlns:p="http://schemas.openxmlformats.org/presentationml/2006/main">
   <p:cSld>
     <p:spTree>
@@ -1565,7 +1913,7 @@
           <a:p>
             <a:fld id="{C02BCE1B-0358-064B-A696-3D0408AA6E41}" type="slidenum">
               <a:rPr lang="en-US" smtClean="0"/>
-              <a:t>26</a:t>
+              <a:t>27</a:t>
             </a:fld>
             <a:endParaRPr lang="en-US"/>
           </a:p>
@@ -1575,90 +1923,6 @@
     <p:extLst>
       <p:ext uri="{BB962C8B-B14F-4D97-AF65-F5344CB8AC3E}">
         <p14:creationId xmlns:p14="http://schemas.microsoft.com/office/powerpoint/2010/main" val="542709970"/>
-      </p:ext>
-    </p:extLst>
-  </p:cSld>
-  <p:clrMapOvr>
-    <a:masterClrMapping/>
-  </p:clrMapOvr>
-</p:notes>
-</file>
-
-<file path=ppt/notesSlides/notesSlide13.xml><?xml version="1.0" encoding="utf-8"?>
-<p:notes xmlns:a="http://schemas.openxmlformats.org/drawingml/2006/main" xmlns:r="http://schemas.openxmlformats.org/officeDocument/2006/relationships" xmlns:p="http://schemas.openxmlformats.org/presentationml/2006/main">
-  <p:cSld>
-    <p:spTree>
-      <p:nvGrpSpPr>
-        <p:cNvPr id="1" name=""/>
-        <p:cNvGrpSpPr/>
-        <p:nvPr/>
-      </p:nvGrpSpPr>
-      <p:grpSpPr>
-        <a:xfrm>
-          <a:off x="0" y="0"/>
-          <a:ext cx="0" cy="0"/>
-          <a:chOff x="0" y="0"/>
-          <a:chExt cx="0" cy="0"/>
-        </a:xfrm>
-      </p:grpSpPr>
-      <p:sp>
-        <p:nvSpPr>
-          <p:cNvPr id="2" name="Slide Image Placeholder 1"/>
-          <p:cNvSpPr>
-            <a:spLocks noGrp="1" noRot="1" noChangeAspect="1"/>
-          </p:cNvSpPr>
-          <p:nvPr>
-            <p:ph type="sldImg"/>
-          </p:nvPr>
-        </p:nvSpPr>
-        <p:spPr/>
-      </p:sp>
-      <p:sp>
-        <p:nvSpPr>
-          <p:cNvPr id="3" name="Notes Placeholder 2"/>
-          <p:cNvSpPr>
-            <a:spLocks noGrp="1"/>
-          </p:cNvSpPr>
-          <p:nvPr>
-            <p:ph type="body" idx="1"/>
-          </p:nvPr>
-        </p:nvSpPr>
-        <p:spPr/>
-        <p:txBody>
-          <a:bodyPr/>
-          <a:lstStyle/>
-          <a:p>
-            <a:endParaRPr lang="en-US" dirty="0"/>
-          </a:p>
-        </p:txBody>
-      </p:sp>
-      <p:sp>
-        <p:nvSpPr>
-          <p:cNvPr id="4" name="Slide Number Placeholder 3"/>
-          <p:cNvSpPr>
-            <a:spLocks noGrp="1"/>
-          </p:cNvSpPr>
-          <p:nvPr>
-            <p:ph type="sldNum" sz="quarter" idx="5"/>
-          </p:nvPr>
-        </p:nvSpPr>
-        <p:spPr/>
-        <p:txBody>
-          <a:bodyPr/>
-          <a:lstStyle/>
-          <a:p>
-            <a:fld id="{C02BCE1B-0358-064B-A696-3D0408AA6E41}" type="slidenum">
-              <a:rPr lang="en-US" smtClean="0"/>
-              <a:t>27</a:t>
-            </a:fld>
-            <a:endParaRPr lang="en-US"/>
-          </a:p>
-        </p:txBody>
-      </p:sp>
-    </p:spTree>
-    <p:extLst>
-      <p:ext uri="{BB962C8B-B14F-4D97-AF65-F5344CB8AC3E}">
-        <p14:creationId xmlns:p14="http://schemas.microsoft.com/office/powerpoint/2010/main" val="2996495388"/>
       </p:ext>
     </p:extLst>
   </p:cSld>
@@ -1742,6 +2006,90 @@
     </p:spTree>
     <p:extLst>
       <p:ext uri="{BB962C8B-B14F-4D97-AF65-F5344CB8AC3E}">
+        <p14:creationId xmlns:p14="http://schemas.microsoft.com/office/powerpoint/2010/main" val="2996495388"/>
+      </p:ext>
+    </p:extLst>
+  </p:cSld>
+  <p:clrMapOvr>
+    <a:masterClrMapping/>
+  </p:clrMapOvr>
+</p:notes>
+</file>
+
+<file path=ppt/notesSlides/notesSlide15.xml><?xml version="1.0" encoding="utf-8"?>
+<p:notes xmlns:a="http://schemas.openxmlformats.org/drawingml/2006/main" xmlns:r="http://schemas.openxmlformats.org/officeDocument/2006/relationships" xmlns:p="http://schemas.openxmlformats.org/presentationml/2006/main">
+  <p:cSld>
+    <p:spTree>
+      <p:nvGrpSpPr>
+        <p:cNvPr id="1" name=""/>
+        <p:cNvGrpSpPr/>
+        <p:nvPr/>
+      </p:nvGrpSpPr>
+      <p:grpSpPr>
+        <a:xfrm>
+          <a:off x="0" y="0"/>
+          <a:ext cx="0" cy="0"/>
+          <a:chOff x="0" y="0"/>
+          <a:chExt cx="0" cy="0"/>
+        </a:xfrm>
+      </p:grpSpPr>
+      <p:sp>
+        <p:nvSpPr>
+          <p:cNvPr id="2" name="Slide Image Placeholder 1"/>
+          <p:cNvSpPr>
+            <a:spLocks noGrp="1" noRot="1" noChangeAspect="1"/>
+          </p:cNvSpPr>
+          <p:nvPr>
+            <p:ph type="sldImg"/>
+          </p:nvPr>
+        </p:nvSpPr>
+        <p:spPr/>
+      </p:sp>
+      <p:sp>
+        <p:nvSpPr>
+          <p:cNvPr id="3" name="Notes Placeholder 2"/>
+          <p:cNvSpPr>
+            <a:spLocks noGrp="1"/>
+          </p:cNvSpPr>
+          <p:nvPr>
+            <p:ph type="body" idx="1"/>
+          </p:nvPr>
+        </p:nvSpPr>
+        <p:spPr/>
+        <p:txBody>
+          <a:bodyPr/>
+          <a:lstStyle/>
+          <a:p>
+            <a:endParaRPr lang="en-US" dirty="0"/>
+          </a:p>
+        </p:txBody>
+      </p:sp>
+      <p:sp>
+        <p:nvSpPr>
+          <p:cNvPr id="4" name="Slide Number Placeholder 3"/>
+          <p:cNvSpPr>
+            <a:spLocks noGrp="1"/>
+          </p:cNvSpPr>
+          <p:nvPr>
+            <p:ph type="sldNum" sz="quarter" idx="5"/>
+          </p:nvPr>
+        </p:nvSpPr>
+        <p:spPr/>
+        <p:txBody>
+          <a:bodyPr/>
+          <a:lstStyle/>
+          <a:p>
+            <a:fld id="{C02BCE1B-0358-064B-A696-3D0408AA6E41}" type="slidenum">
+              <a:rPr lang="en-US" smtClean="0"/>
+              <a:t>29</a:t>
+            </a:fld>
+            <a:endParaRPr lang="en-US"/>
+          </a:p>
+        </p:txBody>
+      </p:sp>
+    </p:spTree>
+    <p:extLst>
+      <p:ext uri="{BB962C8B-B14F-4D97-AF65-F5344CB8AC3E}">
         <p14:creationId xmlns:p14="http://schemas.microsoft.com/office/powerpoint/2010/main" val="400429315"/>
       </p:ext>
     </p:extLst>
@@ -1752,7 +2100,7 @@
 </p:notes>
 </file>
 
-<file path=ppt/notesSlides/notesSlide15.xml><?xml version="1.0" encoding="utf-8"?>
+<file path=ppt/notesSlides/notesSlide16.xml><?xml version="1.0" encoding="utf-8"?>
 <p:notes xmlns:a="http://schemas.openxmlformats.org/drawingml/2006/main" xmlns:r="http://schemas.openxmlformats.org/officeDocument/2006/relationships" xmlns:p="http://schemas.openxmlformats.org/presentationml/2006/main">
   <p:cSld>
     <p:spTree>
@@ -1820,7 +2168,7 @@
           <a:p>
             <a:fld id="{C02BCE1B-0358-064B-A696-3D0408AA6E41}" type="slidenum">
               <a:rPr lang="en-US" smtClean="0"/>
-              <a:t>29</a:t>
+              <a:t>30</a:t>
             </a:fld>
             <a:endParaRPr lang="en-US"/>
           </a:p>
@@ -1830,90 +2178,6 @@
     <p:extLst>
       <p:ext uri="{BB962C8B-B14F-4D97-AF65-F5344CB8AC3E}">
         <p14:creationId xmlns:p14="http://schemas.microsoft.com/office/powerpoint/2010/main" val="721577296"/>
-      </p:ext>
-    </p:extLst>
-  </p:cSld>
-  <p:clrMapOvr>
-    <a:masterClrMapping/>
-  </p:clrMapOvr>
-</p:notes>
-</file>
-
-<file path=ppt/notesSlides/notesSlide16.xml><?xml version="1.0" encoding="utf-8"?>
-<p:notes xmlns:a="http://schemas.openxmlformats.org/drawingml/2006/main" xmlns:r="http://schemas.openxmlformats.org/officeDocument/2006/relationships" xmlns:p="http://schemas.openxmlformats.org/presentationml/2006/main">
-  <p:cSld>
-    <p:spTree>
-      <p:nvGrpSpPr>
-        <p:cNvPr id="1" name=""/>
-        <p:cNvGrpSpPr/>
-        <p:nvPr/>
-      </p:nvGrpSpPr>
-      <p:grpSpPr>
-        <a:xfrm>
-          <a:off x="0" y="0"/>
-          <a:ext cx="0" cy="0"/>
-          <a:chOff x="0" y="0"/>
-          <a:chExt cx="0" cy="0"/>
-        </a:xfrm>
-      </p:grpSpPr>
-      <p:sp>
-        <p:nvSpPr>
-          <p:cNvPr id="2" name="Slide Image Placeholder 1"/>
-          <p:cNvSpPr>
-            <a:spLocks noGrp="1" noRot="1" noChangeAspect="1"/>
-          </p:cNvSpPr>
-          <p:nvPr>
-            <p:ph type="sldImg"/>
-          </p:nvPr>
-        </p:nvSpPr>
-        <p:spPr/>
-      </p:sp>
-      <p:sp>
-        <p:nvSpPr>
-          <p:cNvPr id="3" name="Notes Placeholder 2"/>
-          <p:cNvSpPr>
-            <a:spLocks noGrp="1"/>
-          </p:cNvSpPr>
-          <p:nvPr>
-            <p:ph type="body" idx="1"/>
-          </p:nvPr>
-        </p:nvSpPr>
-        <p:spPr/>
-        <p:txBody>
-          <a:bodyPr/>
-          <a:lstStyle/>
-          <a:p>
-            <a:endParaRPr lang="en-US" dirty="0"/>
-          </a:p>
-        </p:txBody>
-      </p:sp>
-      <p:sp>
-        <p:nvSpPr>
-          <p:cNvPr id="4" name="Slide Number Placeholder 3"/>
-          <p:cNvSpPr>
-            <a:spLocks noGrp="1"/>
-          </p:cNvSpPr>
-          <p:nvPr>
-            <p:ph type="sldNum" sz="quarter" idx="5"/>
-          </p:nvPr>
-        </p:nvSpPr>
-        <p:spPr/>
-        <p:txBody>
-          <a:bodyPr/>
-          <a:lstStyle/>
-          <a:p>
-            <a:fld id="{C02BCE1B-0358-064B-A696-3D0408AA6E41}" type="slidenum">
-              <a:rPr lang="en-US" smtClean="0"/>
-              <a:t>30</a:t>
-            </a:fld>
-            <a:endParaRPr lang="en-US"/>
-          </a:p>
-        </p:txBody>
-      </p:sp>
-    </p:spTree>
-    <p:extLst>
-      <p:ext uri="{BB962C8B-B14F-4D97-AF65-F5344CB8AC3E}">
-        <p14:creationId xmlns:p14="http://schemas.microsoft.com/office/powerpoint/2010/main" val="1683809803"/>
       </p:ext>
     </p:extLst>
   </p:cSld>
@@ -1989,6 +2253,90 @@
             <a:fld id="{C02BCE1B-0358-064B-A696-3D0408AA6E41}" type="slidenum">
               <a:rPr lang="en-US" smtClean="0"/>
               <a:t>31</a:t>
+            </a:fld>
+            <a:endParaRPr lang="en-US"/>
+          </a:p>
+        </p:txBody>
+      </p:sp>
+    </p:spTree>
+    <p:extLst>
+      <p:ext uri="{BB962C8B-B14F-4D97-AF65-F5344CB8AC3E}">
+        <p14:creationId xmlns:p14="http://schemas.microsoft.com/office/powerpoint/2010/main" val="1683809803"/>
+      </p:ext>
+    </p:extLst>
+  </p:cSld>
+  <p:clrMapOvr>
+    <a:masterClrMapping/>
+  </p:clrMapOvr>
+</p:notes>
+</file>
+
+<file path=ppt/notesSlides/notesSlide18.xml><?xml version="1.0" encoding="utf-8"?>
+<p:notes xmlns:a="http://schemas.openxmlformats.org/drawingml/2006/main" xmlns:r="http://schemas.openxmlformats.org/officeDocument/2006/relationships" xmlns:p="http://schemas.openxmlformats.org/presentationml/2006/main">
+  <p:cSld>
+    <p:spTree>
+      <p:nvGrpSpPr>
+        <p:cNvPr id="1" name=""/>
+        <p:cNvGrpSpPr/>
+        <p:nvPr/>
+      </p:nvGrpSpPr>
+      <p:grpSpPr>
+        <a:xfrm>
+          <a:off x="0" y="0"/>
+          <a:ext cx="0" cy="0"/>
+          <a:chOff x="0" y="0"/>
+          <a:chExt cx="0" cy="0"/>
+        </a:xfrm>
+      </p:grpSpPr>
+      <p:sp>
+        <p:nvSpPr>
+          <p:cNvPr id="2" name="Slide Image Placeholder 1"/>
+          <p:cNvSpPr>
+            <a:spLocks noGrp="1" noRot="1" noChangeAspect="1"/>
+          </p:cNvSpPr>
+          <p:nvPr>
+            <p:ph type="sldImg"/>
+          </p:nvPr>
+        </p:nvSpPr>
+        <p:spPr/>
+      </p:sp>
+      <p:sp>
+        <p:nvSpPr>
+          <p:cNvPr id="3" name="Notes Placeholder 2"/>
+          <p:cNvSpPr>
+            <a:spLocks noGrp="1"/>
+          </p:cNvSpPr>
+          <p:nvPr>
+            <p:ph type="body" idx="1"/>
+          </p:nvPr>
+        </p:nvSpPr>
+        <p:spPr/>
+        <p:txBody>
+          <a:bodyPr/>
+          <a:lstStyle/>
+          <a:p>
+            <a:endParaRPr lang="en-US" dirty="0"/>
+          </a:p>
+        </p:txBody>
+      </p:sp>
+      <p:sp>
+        <p:nvSpPr>
+          <p:cNvPr id="4" name="Slide Number Placeholder 3"/>
+          <p:cNvSpPr>
+            <a:spLocks noGrp="1"/>
+          </p:cNvSpPr>
+          <p:nvPr>
+            <p:ph type="sldNum" sz="quarter" idx="5"/>
+          </p:nvPr>
+        </p:nvSpPr>
+        <p:spPr/>
+        <p:txBody>
+          <a:bodyPr/>
+          <a:lstStyle/>
+          <a:p>
+            <a:fld id="{C02BCE1B-0358-064B-A696-3D0408AA6E41}" type="slidenum">
+              <a:rPr lang="en-US" smtClean="0"/>
+              <a:t>32</a:t>
             </a:fld>
             <a:endParaRPr lang="en-US"/>
           </a:p>
@@ -2725,22 +3073,7 @@
           <a:bodyPr/>
           <a:lstStyle/>
           <a:p>
-            <a:r>
-              <a:rPr lang="en-US" dirty="0"/>
-              <a:t>(single stream for reduced I/O pin requirement)</a:t>
-            </a:r>
-          </a:p>
-          <a:p>
-            <a:r>
-              <a:rPr lang="en-US" dirty="0"/>
-              <a:t>Probably want to do this on-chip to reduce pin requirement</a:t>
-            </a:r>
-          </a:p>
-          <a:p>
-            <a:r>
-              <a:rPr lang="en-US" dirty="0"/>
-              <a:t>Column controller is similar</a:t>
-            </a:r>
+            <a:endParaRPr lang="en-US" dirty="0"/>
           </a:p>
         </p:txBody>
       </p:sp>
@@ -2770,7 +3103,7 @@
     </p:spTree>
     <p:extLst>
       <p:ext uri="{BB962C8B-B14F-4D97-AF65-F5344CB8AC3E}">
-        <p14:creationId xmlns:p14="http://schemas.microsoft.com/office/powerpoint/2010/main" val="4242202001"/>
+        <p14:creationId xmlns:p14="http://schemas.microsoft.com/office/powerpoint/2010/main" val="3188469812"/>
       </p:ext>
     </p:extLst>
   </p:cSld>
@@ -2927,7 +3260,7 @@
           <a:p>
             <a:fld id="{9DFF981E-7E04-3149-BBA3-99501D3F0100}" type="datetimeFigureOut">
               <a:rPr lang="en-US" smtClean="0"/>
-              <a:t>2/12/19</a:t>
+              <a:t>2/26/19</a:t>
             </a:fld>
             <a:endParaRPr lang="en-US"/>
           </a:p>
@@ -3125,7 +3458,7 @@
           <a:p>
             <a:fld id="{9DFF981E-7E04-3149-BBA3-99501D3F0100}" type="datetimeFigureOut">
               <a:rPr lang="en-US" smtClean="0"/>
-              <a:t>2/12/19</a:t>
+              <a:t>2/26/19</a:t>
             </a:fld>
             <a:endParaRPr lang="en-US"/>
           </a:p>
@@ -3333,7 +3666,7 @@
           <a:p>
             <a:fld id="{9DFF981E-7E04-3149-BBA3-99501D3F0100}" type="datetimeFigureOut">
               <a:rPr lang="en-US" smtClean="0"/>
-              <a:t>2/12/19</a:t>
+              <a:t>2/26/19</a:t>
             </a:fld>
             <a:endParaRPr lang="en-US"/>
           </a:p>
@@ -3531,7 +3864,7 @@
           <a:p>
             <a:fld id="{9DFF981E-7E04-3149-BBA3-99501D3F0100}" type="datetimeFigureOut">
               <a:rPr lang="en-US" smtClean="0"/>
-              <a:t>2/12/19</a:t>
+              <a:t>2/26/19</a:t>
             </a:fld>
             <a:endParaRPr lang="en-US"/>
           </a:p>
@@ -3806,7 +4139,7 @@
           <a:p>
             <a:fld id="{9DFF981E-7E04-3149-BBA3-99501D3F0100}" type="datetimeFigureOut">
               <a:rPr lang="en-US" smtClean="0"/>
-              <a:t>2/12/19</a:t>
+              <a:t>2/26/19</a:t>
             </a:fld>
             <a:endParaRPr lang="en-US"/>
           </a:p>
@@ -4071,7 +4404,7 @@
           <a:p>
             <a:fld id="{9DFF981E-7E04-3149-BBA3-99501D3F0100}" type="datetimeFigureOut">
               <a:rPr lang="en-US" smtClean="0"/>
-              <a:t>2/12/19</a:t>
+              <a:t>2/26/19</a:t>
             </a:fld>
             <a:endParaRPr lang="en-US"/>
           </a:p>
@@ -4483,7 +4816,7 @@
           <a:p>
             <a:fld id="{9DFF981E-7E04-3149-BBA3-99501D3F0100}" type="datetimeFigureOut">
               <a:rPr lang="en-US" smtClean="0"/>
-              <a:t>2/12/19</a:t>
+              <a:t>2/26/19</a:t>
             </a:fld>
             <a:endParaRPr lang="en-US"/>
           </a:p>
@@ -4624,7 +4957,7 @@
           <a:p>
             <a:fld id="{9DFF981E-7E04-3149-BBA3-99501D3F0100}" type="datetimeFigureOut">
               <a:rPr lang="en-US" smtClean="0"/>
-              <a:t>2/12/19</a:t>
+              <a:t>2/26/19</a:t>
             </a:fld>
             <a:endParaRPr lang="en-US"/>
           </a:p>
@@ -4737,7 +5070,7 @@
           <a:p>
             <a:fld id="{9DFF981E-7E04-3149-BBA3-99501D3F0100}" type="datetimeFigureOut">
               <a:rPr lang="en-US" smtClean="0"/>
-              <a:t>2/12/19</a:t>
+              <a:t>2/26/19</a:t>
             </a:fld>
             <a:endParaRPr lang="en-US"/>
           </a:p>
@@ -5048,7 +5381,7 @@
           <a:p>
             <a:fld id="{9DFF981E-7E04-3149-BBA3-99501D3F0100}" type="datetimeFigureOut">
               <a:rPr lang="en-US" smtClean="0"/>
-              <a:t>2/12/19</a:t>
+              <a:t>2/26/19</a:t>
             </a:fld>
             <a:endParaRPr lang="en-US"/>
           </a:p>
@@ -5336,7 +5669,7 @@
           <a:p>
             <a:fld id="{9DFF981E-7E04-3149-BBA3-99501D3F0100}" type="datetimeFigureOut">
               <a:rPr lang="en-US" smtClean="0"/>
-              <a:t>2/12/19</a:t>
+              <a:t>2/26/19</a:t>
             </a:fld>
             <a:endParaRPr lang="en-US"/>
           </a:p>
@@ -5577,7 +5910,7 @@
           <a:p>
             <a:fld id="{9DFF981E-7E04-3149-BBA3-99501D3F0100}" type="datetimeFigureOut">
               <a:rPr lang="en-US" smtClean="0"/>
-              <a:t>2/12/19</a:t>
+              <a:t>2/26/19</a:t>
             </a:fld>
             <a:endParaRPr lang="en-US"/>
           </a:p>
@@ -17432,6 +17765,995 @@
 <file path=ppt/slides/slide20.xml><?xml version="1.0" encoding="utf-8"?>
 <p:sld xmlns:a="http://schemas.openxmlformats.org/drawingml/2006/main" xmlns:r="http://schemas.openxmlformats.org/officeDocument/2006/relationships" xmlns:p="http://schemas.openxmlformats.org/presentationml/2006/main">
   <p:cSld>
+    <p:bg>
+      <p:bgPr>
+        <a:solidFill>
+          <a:schemeClr val="tx1"/>
+        </a:solidFill>
+        <a:effectLst/>
+      </p:bgPr>
+    </p:bg>
+    <p:spTree>
+      <p:nvGrpSpPr>
+        <p:cNvPr id="1" name=""/>
+        <p:cNvGrpSpPr/>
+        <p:nvPr/>
+      </p:nvGrpSpPr>
+      <p:grpSpPr>
+        <a:xfrm>
+          <a:off x="0" y="0"/>
+          <a:ext cx="0" cy="0"/>
+          <a:chOff x="0" y="0"/>
+          <a:chExt cx="0" cy="0"/>
+        </a:xfrm>
+      </p:grpSpPr>
+      <p:pic>
+        <p:nvPicPr>
+          <p:cNvPr id="4" name="Content Placeholder 3">
+            <a:extLst>
+              <a:ext uri="{FF2B5EF4-FFF2-40B4-BE49-F238E27FC236}">
+                <a16:creationId xmlns:a16="http://schemas.microsoft.com/office/drawing/2014/main" id="{C13039E9-16C7-D044-9482-516FA3C42EB9}"/>
+              </a:ext>
+            </a:extLst>
+          </p:cNvPr>
+          <p:cNvPicPr>
+            <a:picLocks noGrp="1" noChangeAspect="1"/>
+          </p:cNvPicPr>
+          <p:nvPr>
+            <p:ph idx="1"/>
+          </p:nvPr>
+        </p:nvPicPr>
+        <p:blipFill>
+          <a:blip r:embed="rId3"/>
+          <a:stretch>
+            <a:fillRect/>
+          </a:stretch>
+        </p:blipFill>
+        <p:spPr>
+          <a:xfrm>
+            <a:off x="80550" y="326453"/>
+            <a:ext cx="12030900" cy="6205093"/>
+          </a:xfrm>
+          <a:prstGeom prst="rect">
+            <a:avLst/>
+          </a:prstGeom>
+        </p:spPr>
+      </p:pic>
+      <p:cxnSp>
+        <p:nvCxnSpPr>
+          <p:cNvPr id="8" name="Straight Connector 7">
+            <a:extLst>
+              <a:ext uri="{FF2B5EF4-FFF2-40B4-BE49-F238E27FC236}">
+                <a16:creationId xmlns:a16="http://schemas.microsoft.com/office/drawing/2014/main" id="{D34929EF-5A25-274E-A6AB-36F96D31D12F}"/>
+              </a:ext>
+            </a:extLst>
+          </p:cNvPr>
+          <p:cNvCxnSpPr>
+            <a:cxnSpLocks/>
+          </p:cNvCxnSpPr>
+          <p:nvPr/>
+        </p:nvCxnSpPr>
+        <p:spPr>
+          <a:xfrm flipV="1">
+            <a:off x="1724628" y="798653"/>
+            <a:ext cx="0" cy="5127585"/>
+          </a:xfrm>
+          <a:prstGeom prst="line">
+            <a:avLst/>
+          </a:prstGeom>
+          <a:ln>
+            <a:prstDash val="sysDash"/>
+          </a:ln>
+        </p:spPr>
+        <p:style>
+          <a:lnRef idx="1">
+            <a:schemeClr val="accent1"/>
+          </a:lnRef>
+          <a:fillRef idx="0">
+            <a:schemeClr val="accent1"/>
+          </a:fillRef>
+          <a:effectRef idx="0">
+            <a:schemeClr val="accent1"/>
+          </a:effectRef>
+          <a:fontRef idx="minor">
+            <a:schemeClr val="tx1"/>
+          </a:fontRef>
+        </p:style>
+      </p:cxnSp>
+      <p:cxnSp>
+        <p:nvCxnSpPr>
+          <p:cNvPr id="11" name="Straight Connector 10">
+            <a:extLst>
+              <a:ext uri="{FF2B5EF4-FFF2-40B4-BE49-F238E27FC236}">
+                <a16:creationId xmlns:a16="http://schemas.microsoft.com/office/drawing/2014/main" id="{54C469AB-CBEE-6C49-9160-1E75F784C30D}"/>
+              </a:ext>
+            </a:extLst>
+          </p:cNvPr>
+          <p:cNvCxnSpPr>
+            <a:cxnSpLocks/>
+          </p:cNvCxnSpPr>
+          <p:nvPr/>
+        </p:nvCxnSpPr>
+        <p:spPr>
+          <a:xfrm flipV="1">
+            <a:off x="2606233" y="798652"/>
+            <a:ext cx="0" cy="5127585"/>
+          </a:xfrm>
+          <a:prstGeom prst="line">
+            <a:avLst/>
+          </a:prstGeom>
+          <a:ln>
+            <a:prstDash val="sysDash"/>
+          </a:ln>
+        </p:spPr>
+        <p:style>
+          <a:lnRef idx="1">
+            <a:schemeClr val="accent1"/>
+          </a:lnRef>
+          <a:fillRef idx="0">
+            <a:schemeClr val="accent1"/>
+          </a:fillRef>
+          <a:effectRef idx="0">
+            <a:schemeClr val="accent1"/>
+          </a:effectRef>
+          <a:fontRef idx="minor">
+            <a:schemeClr val="tx1"/>
+          </a:fontRef>
+        </p:style>
+      </p:cxnSp>
+      <p:cxnSp>
+        <p:nvCxnSpPr>
+          <p:cNvPr id="12" name="Straight Connector 11">
+            <a:extLst>
+              <a:ext uri="{FF2B5EF4-FFF2-40B4-BE49-F238E27FC236}">
+                <a16:creationId xmlns:a16="http://schemas.microsoft.com/office/drawing/2014/main" id="{6ED8E4F2-CF8A-4E43-A173-8C3D473E40B2}"/>
+              </a:ext>
+            </a:extLst>
+          </p:cNvPr>
+          <p:cNvCxnSpPr>
+            <a:cxnSpLocks/>
+          </p:cNvCxnSpPr>
+          <p:nvPr/>
+        </p:nvCxnSpPr>
+        <p:spPr>
+          <a:xfrm flipV="1">
+            <a:off x="3474335" y="798652"/>
+            <a:ext cx="0" cy="5127585"/>
+          </a:xfrm>
+          <a:prstGeom prst="line">
+            <a:avLst/>
+          </a:prstGeom>
+          <a:ln>
+            <a:prstDash val="sysDash"/>
+          </a:ln>
+        </p:spPr>
+        <p:style>
+          <a:lnRef idx="1">
+            <a:schemeClr val="accent1"/>
+          </a:lnRef>
+          <a:fillRef idx="0">
+            <a:schemeClr val="accent1"/>
+          </a:fillRef>
+          <a:effectRef idx="0">
+            <a:schemeClr val="accent1"/>
+          </a:effectRef>
+          <a:fontRef idx="minor">
+            <a:schemeClr val="tx1"/>
+          </a:fontRef>
+        </p:style>
+      </p:cxnSp>
+      <p:cxnSp>
+        <p:nvCxnSpPr>
+          <p:cNvPr id="13" name="Straight Connector 12">
+            <a:extLst>
+              <a:ext uri="{FF2B5EF4-FFF2-40B4-BE49-F238E27FC236}">
+                <a16:creationId xmlns:a16="http://schemas.microsoft.com/office/drawing/2014/main" id="{5D93A1D7-B0D6-8C49-96F9-FEE337CCB4D6}"/>
+              </a:ext>
+            </a:extLst>
+          </p:cNvPr>
+          <p:cNvCxnSpPr>
+            <a:cxnSpLocks/>
+          </p:cNvCxnSpPr>
+          <p:nvPr/>
+        </p:nvCxnSpPr>
+        <p:spPr>
+          <a:xfrm flipV="1">
+            <a:off x="4355940" y="798651"/>
+            <a:ext cx="0" cy="5127585"/>
+          </a:xfrm>
+          <a:prstGeom prst="line">
+            <a:avLst/>
+          </a:prstGeom>
+          <a:ln>
+            <a:prstDash val="sysDash"/>
+          </a:ln>
+        </p:spPr>
+        <p:style>
+          <a:lnRef idx="1">
+            <a:schemeClr val="accent1"/>
+          </a:lnRef>
+          <a:fillRef idx="0">
+            <a:schemeClr val="accent1"/>
+          </a:fillRef>
+          <a:effectRef idx="0">
+            <a:schemeClr val="accent1"/>
+          </a:effectRef>
+          <a:fontRef idx="minor">
+            <a:schemeClr val="tx1"/>
+          </a:fontRef>
+        </p:style>
+      </p:cxnSp>
+      <p:cxnSp>
+        <p:nvCxnSpPr>
+          <p:cNvPr id="14" name="Straight Connector 13">
+            <a:extLst>
+              <a:ext uri="{FF2B5EF4-FFF2-40B4-BE49-F238E27FC236}">
+                <a16:creationId xmlns:a16="http://schemas.microsoft.com/office/drawing/2014/main" id="{6BF8F629-04C2-BF40-A724-12C9408C9672}"/>
+              </a:ext>
+            </a:extLst>
+          </p:cNvPr>
+          <p:cNvCxnSpPr>
+            <a:cxnSpLocks/>
+          </p:cNvCxnSpPr>
+          <p:nvPr/>
+        </p:nvCxnSpPr>
+        <p:spPr>
+          <a:xfrm flipV="1">
+            <a:off x="5241403" y="798651"/>
+            <a:ext cx="0" cy="5127585"/>
+          </a:xfrm>
+          <a:prstGeom prst="line">
+            <a:avLst/>
+          </a:prstGeom>
+          <a:ln>
+            <a:prstDash val="sysDash"/>
+          </a:ln>
+        </p:spPr>
+        <p:style>
+          <a:lnRef idx="1">
+            <a:schemeClr val="accent1"/>
+          </a:lnRef>
+          <a:fillRef idx="0">
+            <a:schemeClr val="accent1"/>
+          </a:fillRef>
+          <a:effectRef idx="0">
+            <a:schemeClr val="accent1"/>
+          </a:effectRef>
+          <a:fontRef idx="minor">
+            <a:schemeClr val="tx1"/>
+          </a:fontRef>
+        </p:style>
+      </p:cxnSp>
+      <p:cxnSp>
+        <p:nvCxnSpPr>
+          <p:cNvPr id="15" name="Straight Connector 14">
+            <a:extLst>
+              <a:ext uri="{FF2B5EF4-FFF2-40B4-BE49-F238E27FC236}">
+                <a16:creationId xmlns:a16="http://schemas.microsoft.com/office/drawing/2014/main" id="{019BD2AE-4436-DF4B-99A1-AC991B194451}"/>
+              </a:ext>
+            </a:extLst>
+          </p:cNvPr>
+          <p:cNvCxnSpPr>
+            <a:cxnSpLocks/>
+          </p:cNvCxnSpPr>
+          <p:nvPr/>
+        </p:nvCxnSpPr>
+        <p:spPr>
+          <a:xfrm flipV="1">
+            <a:off x="6123008" y="798650"/>
+            <a:ext cx="0" cy="5127585"/>
+          </a:xfrm>
+          <a:prstGeom prst="line">
+            <a:avLst/>
+          </a:prstGeom>
+          <a:ln>
+            <a:prstDash val="sysDash"/>
+          </a:ln>
+        </p:spPr>
+        <p:style>
+          <a:lnRef idx="1">
+            <a:schemeClr val="accent1"/>
+          </a:lnRef>
+          <a:fillRef idx="0">
+            <a:schemeClr val="accent1"/>
+          </a:fillRef>
+          <a:effectRef idx="0">
+            <a:schemeClr val="accent1"/>
+          </a:effectRef>
+          <a:fontRef idx="minor">
+            <a:schemeClr val="tx1"/>
+          </a:fontRef>
+        </p:style>
+      </p:cxnSp>
+      <p:cxnSp>
+        <p:nvCxnSpPr>
+          <p:cNvPr id="16" name="Straight Connector 15">
+            <a:extLst>
+              <a:ext uri="{FF2B5EF4-FFF2-40B4-BE49-F238E27FC236}">
+                <a16:creationId xmlns:a16="http://schemas.microsoft.com/office/drawing/2014/main" id="{E8BC7D6F-50D6-4842-97DC-5B3A5C4CDE81}"/>
+              </a:ext>
+            </a:extLst>
+          </p:cNvPr>
+          <p:cNvCxnSpPr>
+            <a:cxnSpLocks/>
+          </p:cNvCxnSpPr>
+          <p:nvPr/>
+        </p:nvCxnSpPr>
+        <p:spPr>
+          <a:xfrm flipV="1">
+            <a:off x="6981463" y="798650"/>
+            <a:ext cx="0" cy="5127585"/>
+          </a:xfrm>
+          <a:prstGeom prst="line">
+            <a:avLst/>
+          </a:prstGeom>
+          <a:ln>
+            <a:prstDash val="sysDash"/>
+          </a:ln>
+        </p:spPr>
+        <p:style>
+          <a:lnRef idx="1">
+            <a:schemeClr val="accent1"/>
+          </a:lnRef>
+          <a:fillRef idx="0">
+            <a:schemeClr val="accent1"/>
+          </a:fillRef>
+          <a:effectRef idx="0">
+            <a:schemeClr val="accent1"/>
+          </a:effectRef>
+          <a:fontRef idx="minor">
+            <a:schemeClr val="tx1"/>
+          </a:fontRef>
+        </p:style>
+      </p:cxnSp>
+      <p:cxnSp>
+        <p:nvCxnSpPr>
+          <p:cNvPr id="17" name="Straight Connector 16">
+            <a:extLst>
+              <a:ext uri="{FF2B5EF4-FFF2-40B4-BE49-F238E27FC236}">
+                <a16:creationId xmlns:a16="http://schemas.microsoft.com/office/drawing/2014/main" id="{C5CBD1B2-5B2A-DB4F-BBE2-BC93F4C583FE}"/>
+              </a:ext>
+            </a:extLst>
+          </p:cNvPr>
+          <p:cNvCxnSpPr>
+            <a:cxnSpLocks/>
+          </p:cNvCxnSpPr>
+          <p:nvPr/>
+        </p:nvCxnSpPr>
+        <p:spPr>
+          <a:xfrm flipV="1">
+            <a:off x="7863068" y="798649"/>
+            <a:ext cx="0" cy="5127585"/>
+          </a:xfrm>
+          <a:prstGeom prst="line">
+            <a:avLst/>
+          </a:prstGeom>
+          <a:ln>
+            <a:prstDash val="sysDash"/>
+          </a:ln>
+        </p:spPr>
+        <p:style>
+          <a:lnRef idx="1">
+            <a:schemeClr val="accent1"/>
+          </a:lnRef>
+          <a:fillRef idx="0">
+            <a:schemeClr val="accent1"/>
+          </a:fillRef>
+          <a:effectRef idx="0">
+            <a:schemeClr val="accent1"/>
+          </a:effectRef>
+          <a:fontRef idx="minor">
+            <a:schemeClr val="tx1"/>
+          </a:fontRef>
+        </p:style>
+      </p:cxnSp>
+      <p:cxnSp>
+        <p:nvCxnSpPr>
+          <p:cNvPr id="18" name="Straight Connector 17">
+            <a:extLst>
+              <a:ext uri="{FF2B5EF4-FFF2-40B4-BE49-F238E27FC236}">
+                <a16:creationId xmlns:a16="http://schemas.microsoft.com/office/drawing/2014/main" id="{71780B0B-50CE-DB4C-8D75-7D81D56AAA6D}"/>
+              </a:ext>
+            </a:extLst>
+          </p:cNvPr>
+          <p:cNvCxnSpPr>
+            <a:cxnSpLocks/>
+          </p:cNvCxnSpPr>
+          <p:nvPr/>
+        </p:nvCxnSpPr>
+        <p:spPr>
+          <a:xfrm flipV="1">
+            <a:off x="8729240" y="798650"/>
+            <a:ext cx="0" cy="5127585"/>
+          </a:xfrm>
+          <a:prstGeom prst="line">
+            <a:avLst/>
+          </a:prstGeom>
+          <a:ln>
+            <a:prstDash val="sysDash"/>
+          </a:ln>
+        </p:spPr>
+        <p:style>
+          <a:lnRef idx="1">
+            <a:schemeClr val="accent1"/>
+          </a:lnRef>
+          <a:fillRef idx="0">
+            <a:schemeClr val="accent1"/>
+          </a:fillRef>
+          <a:effectRef idx="0">
+            <a:schemeClr val="accent1"/>
+          </a:effectRef>
+          <a:fontRef idx="minor">
+            <a:schemeClr val="tx1"/>
+          </a:fontRef>
+        </p:style>
+      </p:cxnSp>
+      <p:cxnSp>
+        <p:nvCxnSpPr>
+          <p:cNvPr id="19" name="Straight Connector 18">
+            <a:extLst>
+              <a:ext uri="{FF2B5EF4-FFF2-40B4-BE49-F238E27FC236}">
+                <a16:creationId xmlns:a16="http://schemas.microsoft.com/office/drawing/2014/main" id="{DC5A56E4-F5BE-CB47-B3B0-284976138166}"/>
+              </a:ext>
+            </a:extLst>
+          </p:cNvPr>
+          <p:cNvCxnSpPr>
+            <a:cxnSpLocks/>
+          </p:cNvCxnSpPr>
+          <p:nvPr/>
+        </p:nvCxnSpPr>
+        <p:spPr>
+          <a:xfrm flipV="1">
+            <a:off x="9610845" y="798649"/>
+            <a:ext cx="0" cy="5127585"/>
+          </a:xfrm>
+          <a:prstGeom prst="line">
+            <a:avLst/>
+          </a:prstGeom>
+          <a:ln>
+            <a:prstDash val="sysDash"/>
+          </a:ln>
+        </p:spPr>
+        <p:style>
+          <a:lnRef idx="1">
+            <a:schemeClr val="accent1"/>
+          </a:lnRef>
+          <a:fillRef idx="0">
+            <a:schemeClr val="accent1"/>
+          </a:fillRef>
+          <a:effectRef idx="0">
+            <a:schemeClr val="accent1"/>
+          </a:effectRef>
+          <a:fontRef idx="minor">
+            <a:schemeClr val="tx1"/>
+          </a:fontRef>
+        </p:style>
+      </p:cxnSp>
+      <p:cxnSp>
+        <p:nvCxnSpPr>
+          <p:cNvPr id="20" name="Straight Connector 19">
+            <a:extLst>
+              <a:ext uri="{FF2B5EF4-FFF2-40B4-BE49-F238E27FC236}">
+                <a16:creationId xmlns:a16="http://schemas.microsoft.com/office/drawing/2014/main" id="{996C650D-385D-2944-AB43-597A11423053}"/>
+              </a:ext>
+            </a:extLst>
+          </p:cNvPr>
+          <p:cNvCxnSpPr>
+            <a:cxnSpLocks/>
+          </p:cNvCxnSpPr>
+          <p:nvPr/>
+        </p:nvCxnSpPr>
+        <p:spPr>
+          <a:xfrm flipV="1">
+            <a:off x="10477018" y="798649"/>
+            <a:ext cx="0" cy="5127585"/>
+          </a:xfrm>
+          <a:prstGeom prst="line">
+            <a:avLst/>
+          </a:prstGeom>
+          <a:ln>
+            <a:prstDash val="sysDash"/>
+          </a:ln>
+        </p:spPr>
+        <p:style>
+          <a:lnRef idx="1">
+            <a:schemeClr val="accent1"/>
+          </a:lnRef>
+          <a:fillRef idx="0">
+            <a:schemeClr val="accent1"/>
+          </a:fillRef>
+          <a:effectRef idx="0">
+            <a:schemeClr val="accent1"/>
+          </a:effectRef>
+          <a:fontRef idx="minor">
+            <a:schemeClr val="tx1"/>
+          </a:fontRef>
+        </p:style>
+      </p:cxnSp>
+      <p:sp>
+        <p:nvSpPr>
+          <p:cNvPr id="22" name="TextBox 21">
+            <a:extLst>
+              <a:ext uri="{FF2B5EF4-FFF2-40B4-BE49-F238E27FC236}">
+                <a16:creationId xmlns:a16="http://schemas.microsoft.com/office/drawing/2014/main" id="{23313A35-286C-A548-89E8-30918527EC06}"/>
+              </a:ext>
+            </a:extLst>
+          </p:cNvPr>
+          <p:cNvSpPr txBox="1"/>
+          <p:nvPr/>
+        </p:nvSpPr>
+        <p:spPr>
+          <a:xfrm>
+            <a:off x="912132" y="6346880"/>
+            <a:ext cx="687945" cy="369332"/>
+          </a:xfrm>
+          <a:prstGeom prst="rect">
+            <a:avLst/>
+          </a:prstGeom>
+          <a:noFill/>
+        </p:spPr>
+        <p:txBody>
+          <a:bodyPr wrap="none" rtlCol="0">
+            <a:spAutoFit/>
+          </a:bodyPr>
+          <a:lstStyle/>
+          <a:p>
+            <a:r>
+              <a:rPr lang="en-US" dirty="0">
+                <a:solidFill>
+                  <a:schemeClr val="bg1"/>
+                </a:solidFill>
+              </a:rPr>
+              <a:t>COPY</a:t>
+            </a:r>
+          </a:p>
+        </p:txBody>
+      </p:sp>
+      <p:sp>
+        <p:nvSpPr>
+          <p:cNvPr id="25" name="TextBox 24">
+            <a:extLst>
+              <a:ext uri="{FF2B5EF4-FFF2-40B4-BE49-F238E27FC236}">
+                <a16:creationId xmlns:a16="http://schemas.microsoft.com/office/drawing/2014/main" id="{37C66D03-3622-F043-9010-30D72E0EE2F0}"/>
+              </a:ext>
+            </a:extLst>
+          </p:cNvPr>
+          <p:cNvSpPr txBox="1"/>
+          <p:nvPr/>
+        </p:nvSpPr>
+        <p:spPr>
+          <a:xfrm>
+            <a:off x="1783477" y="6362408"/>
+            <a:ext cx="721672" cy="369332"/>
+          </a:xfrm>
+          <a:prstGeom prst="rect">
+            <a:avLst/>
+          </a:prstGeom>
+          <a:noFill/>
+        </p:spPr>
+        <p:txBody>
+          <a:bodyPr wrap="none" rtlCol="0">
+            <a:spAutoFit/>
+          </a:bodyPr>
+          <a:lstStyle/>
+          <a:p>
+            <a:r>
+              <a:rPr lang="en-US" dirty="0">
+                <a:solidFill>
+                  <a:schemeClr val="bg1"/>
+                </a:solidFill>
+              </a:rPr>
+              <a:t>HOLD</a:t>
+            </a:r>
+          </a:p>
+        </p:txBody>
+      </p:sp>
+      <p:sp>
+        <p:nvSpPr>
+          <p:cNvPr id="26" name="TextBox 25">
+            <a:extLst>
+              <a:ext uri="{FF2B5EF4-FFF2-40B4-BE49-F238E27FC236}">
+                <a16:creationId xmlns:a16="http://schemas.microsoft.com/office/drawing/2014/main" id="{2DA43112-CC90-304B-8E9B-9F754D60C033}"/>
+              </a:ext>
+            </a:extLst>
+          </p:cNvPr>
+          <p:cNvSpPr txBox="1"/>
+          <p:nvPr/>
+        </p:nvSpPr>
+        <p:spPr>
+          <a:xfrm>
+            <a:off x="2714469" y="6346880"/>
+            <a:ext cx="548548" cy="369332"/>
+          </a:xfrm>
+          <a:prstGeom prst="rect">
+            <a:avLst/>
+          </a:prstGeom>
+          <a:noFill/>
+        </p:spPr>
+        <p:txBody>
+          <a:bodyPr wrap="none" rtlCol="0">
+            <a:spAutoFit/>
+          </a:bodyPr>
+          <a:lstStyle/>
+          <a:p>
+            <a:r>
+              <a:rPr lang="en-US" dirty="0">
+                <a:solidFill>
+                  <a:schemeClr val="bg1"/>
+                </a:solidFill>
+              </a:rPr>
+              <a:t>OFF</a:t>
+            </a:r>
+          </a:p>
+        </p:txBody>
+      </p:sp>
+      <p:sp>
+        <p:nvSpPr>
+          <p:cNvPr id="27" name="TextBox 26">
+            <a:extLst>
+              <a:ext uri="{FF2B5EF4-FFF2-40B4-BE49-F238E27FC236}">
+                <a16:creationId xmlns:a16="http://schemas.microsoft.com/office/drawing/2014/main" id="{E6A0B4F5-11CA-294B-B5AA-AB8E293BFCDA}"/>
+              </a:ext>
+            </a:extLst>
+          </p:cNvPr>
+          <p:cNvSpPr txBox="1"/>
+          <p:nvPr/>
+        </p:nvSpPr>
+        <p:spPr>
+          <a:xfrm>
+            <a:off x="3619541" y="6346880"/>
+            <a:ext cx="514885" cy="369332"/>
+          </a:xfrm>
+          <a:prstGeom prst="rect">
+            <a:avLst/>
+          </a:prstGeom>
+          <a:noFill/>
+        </p:spPr>
+        <p:txBody>
+          <a:bodyPr wrap="none" rtlCol="0">
+            <a:spAutoFit/>
+          </a:bodyPr>
+          <a:lstStyle/>
+          <a:p>
+            <a:r>
+              <a:rPr lang="en-US" dirty="0">
+                <a:solidFill>
+                  <a:schemeClr val="bg1"/>
+                </a:solidFill>
+              </a:rPr>
+              <a:t>SET</a:t>
+            </a:r>
+          </a:p>
+        </p:txBody>
+      </p:sp>
+      <p:sp>
+        <p:nvSpPr>
+          <p:cNvPr id="28" name="TextBox 27">
+            <a:extLst>
+              <a:ext uri="{FF2B5EF4-FFF2-40B4-BE49-F238E27FC236}">
+                <a16:creationId xmlns:a16="http://schemas.microsoft.com/office/drawing/2014/main" id="{9202DF3F-FCA6-6D4C-ADF8-7970747E2AF9}"/>
+              </a:ext>
+            </a:extLst>
+          </p:cNvPr>
+          <p:cNvSpPr txBox="1"/>
+          <p:nvPr/>
+        </p:nvSpPr>
+        <p:spPr>
+          <a:xfrm>
+            <a:off x="4490950" y="6347165"/>
+            <a:ext cx="548548" cy="369332"/>
+          </a:xfrm>
+          <a:prstGeom prst="rect">
+            <a:avLst/>
+          </a:prstGeom>
+          <a:noFill/>
+        </p:spPr>
+        <p:txBody>
+          <a:bodyPr wrap="none" rtlCol="0">
+            <a:spAutoFit/>
+          </a:bodyPr>
+          <a:lstStyle/>
+          <a:p>
+            <a:r>
+              <a:rPr lang="en-US" dirty="0">
+                <a:solidFill>
+                  <a:schemeClr val="bg1"/>
+                </a:solidFill>
+              </a:rPr>
+              <a:t>OFF</a:t>
+            </a:r>
+          </a:p>
+        </p:txBody>
+      </p:sp>
+      <p:sp>
+        <p:nvSpPr>
+          <p:cNvPr id="29" name="TextBox 28">
+            <a:extLst>
+              <a:ext uri="{FF2B5EF4-FFF2-40B4-BE49-F238E27FC236}">
+                <a16:creationId xmlns:a16="http://schemas.microsoft.com/office/drawing/2014/main" id="{4727F084-6D69-FD45-BDEB-58A6A5FE1E96}"/>
+              </a:ext>
+            </a:extLst>
+          </p:cNvPr>
+          <p:cNvSpPr txBox="1"/>
+          <p:nvPr/>
+        </p:nvSpPr>
+        <p:spPr>
+          <a:xfrm>
+            <a:off x="5285228" y="6346351"/>
+            <a:ext cx="687945" cy="369332"/>
+          </a:xfrm>
+          <a:prstGeom prst="rect">
+            <a:avLst/>
+          </a:prstGeom>
+          <a:noFill/>
+        </p:spPr>
+        <p:txBody>
+          <a:bodyPr wrap="none" rtlCol="0">
+            <a:spAutoFit/>
+          </a:bodyPr>
+          <a:lstStyle/>
+          <a:p>
+            <a:r>
+              <a:rPr lang="en-US" dirty="0">
+                <a:solidFill>
+                  <a:schemeClr val="bg1"/>
+                </a:solidFill>
+              </a:rPr>
+              <a:t>COPY</a:t>
+            </a:r>
+          </a:p>
+        </p:txBody>
+      </p:sp>
+      <p:sp>
+        <p:nvSpPr>
+          <p:cNvPr id="30" name="TextBox 29">
+            <a:extLst>
+              <a:ext uri="{FF2B5EF4-FFF2-40B4-BE49-F238E27FC236}">
+                <a16:creationId xmlns:a16="http://schemas.microsoft.com/office/drawing/2014/main" id="{20D7FEFA-0691-4347-9FE7-EB7C0FD81C34}"/>
+              </a:ext>
+            </a:extLst>
+          </p:cNvPr>
+          <p:cNvSpPr txBox="1"/>
+          <p:nvPr/>
+        </p:nvSpPr>
+        <p:spPr>
+          <a:xfrm>
+            <a:off x="6156573" y="6361879"/>
+            <a:ext cx="721672" cy="369332"/>
+          </a:xfrm>
+          <a:prstGeom prst="rect">
+            <a:avLst/>
+          </a:prstGeom>
+          <a:noFill/>
+        </p:spPr>
+        <p:txBody>
+          <a:bodyPr wrap="none" rtlCol="0">
+            <a:spAutoFit/>
+          </a:bodyPr>
+          <a:lstStyle/>
+          <a:p>
+            <a:r>
+              <a:rPr lang="en-US" dirty="0">
+                <a:solidFill>
+                  <a:schemeClr val="bg1"/>
+                </a:solidFill>
+              </a:rPr>
+              <a:t>HOLD</a:t>
+            </a:r>
+          </a:p>
+        </p:txBody>
+      </p:sp>
+      <p:sp>
+        <p:nvSpPr>
+          <p:cNvPr id="31" name="TextBox 30">
+            <a:extLst>
+              <a:ext uri="{FF2B5EF4-FFF2-40B4-BE49-F238E27FC236}">
+                <a16:creationId xmlns:a16="http://schemas.microsoft.com/office/drawing/2014/main" id="{4E82259F-9581-B149-9E1B-83EBE1CE2749}"/>
+              </a:ext>
+            </a:extLst>
+          </p:cNvPr>
+          <p:cNvSpPr txBox="1"/>
+          <p:nvPr/>
+        </p:nvSpPr>
+        <p:spPr>
+          <a:xfrm>
+            <a:off x="7087565" y="6346351"/>
+            <a:ext cx="548548" cy="369332"/>
+          </a:xfrm>
+          <a:prstGeom prst="rect">
+            <a:avLst/>
+          </a:prstGeom>
+          <a:noFill/>
+        </p:spPr>
+        <p:txBody>
+          <a:bodyPr wrap="none" rtlCol="0">
+            <a:spAutoFit/>
+          </a:bodyPr>
+          <a:lstStyle/>
+          <a:p>
+            <a:r>
+              <a:rPr lang="en-US" dirty="0">
+                <a:solidFill>
+                  <a:schemeClr val="bg1"/>
+                </a:solidFill>
+              </a:rPr>
+              <a:t>OFF</a:t>
+            </a:r>
+          </a:p>
+        </p:txBody>
+      </p:sp>
+      <p:sp>
+        <p:nvSpPr>
+          <p:cNvPr id="32" name="TextBox 31">
+            <a:extLst>
+              <a:ext uri="{FF2B5EF4-FFF2-40B4-BE49-F238E27FC236}">
+                <a16:creationId xmlns:a16="http://schemas.microsoft.com/office/drawing/2014/main" id="{849E87E6-017A-3B4B-9F31-95E4AC4B8F44}"/>
+              </a:ext>
+            </a:extLst>
+          </p:cNvPr>
+          <p:cNvSpPr txBox="1"/>
+          <p:nvPr/>
+        </p:nvSpPr>
+        <p:spPr>
+          <a:xfrm>
+            <a:off x="7934858" y="6346351"/>
+            <a:ext cx="749885" cy="369332"/>
+          </a:xfrm>
+          <a:prstGeom prst="rect">
+            <a:avLst/>
+          </a:prstGeom>
+          <a:noFill/>
+        </p:spPr>
+        <p:txBody>
+          <a:bodyPr wrap="none" rtlCol="0">
+            <a:spAutoFit/>
+          </a:bodyPr>
+          <a:lstStyle/>
+          <a:p>
+            <a:r>
+              <a:rPr lang="en-US" dirty="0">
+                <a:solidFill>
+                  <a:schemeClr val="bg1"/>
+                </a:solidFill>
+              </a:rPr>
+              <a:t>RESET</a:t>
+            </a:r>
+          </a:p>
+        </p:txBody>
+      </p:sp>
+      <p:sp>
+        <p:nvSpPr>
+          <p:cNvPr id="33" name="TextBox 32">
+            <a:extLst>
+              <a:ext uri="{FF2B5EF4-FFF2-40B4-BE49-F238E27FC236}">
+                <a16:creationId xmlns:a16="http://schemas.microsoft.com/office/drawing/2014/main" id="{AFAEFBE2-88BD-1D47-A189-F66D0314D499}"/>
+              </a:ext>
+            </a:extLst>
+          </p:cNvPr>
+          <p:cNvSpPr txBox="1"/>
+          <p:nvPr/>
+        </p:nvSpPr>
+        <p:spPr>
+          <a:xfrm>
+            <a:off x="8864046" y="6346636"/>
+            <a:ext cx="548548" cy="369332"/>
+          </a:xfrm>
+          <a:prstGeom prst="rect">
+            <a:avLst/>
+          </a:prstGeom>
+          <a:noFill/>
+        </p:spPr>
+        <p:txBody>
+          <a:bodyPr wrap="none" rtlCol="0">
+            <a:spAutoFit/>
+          </a:bodyPr>
+          <a:lstStyle/>
+          <a:p>
+            <a:r>
+              <a:rPr lang="en-US" dirty="0">
+                <a:solidFill>
+                  <a:schemeClr val="bg1"/>
+                </a:solidFill>
+              </a:rPr>
+              <a:t>OFF</a:t>
+            </a:r>
+          </a:p>
+        </p:txBody>
+      </p:sp>
+      <p:sp>
+        <p:nvSpPr>
+          <p:cNvPr id="34" name="TextBox 33">
+            <a:extLst>
+              <a:ext uri="{FF2B5EF4-FFF2-40B4-BE49-F238E27FC236}">
+                <a16:creationId xmlns:a16="http://schemas.microsoft.com/office/drawing/2014/main" id="{961DEA5A-8F55-C14E-A84F-AED8534ED3C4}"/>
+              </a:ext>
+            </a:extLst>
+          </p:cNvPr>
+          <p:cNvSpPr txBox="1"/>
+          <p:nvPr/>
+        </p:nvSpPr>
+        <p:spPr>
+          <a:xfrm>
+            <a:off x="9762221" y="6346351"/>
+            <a:ext cx="687945" cy="369332"/>
+          </a:xfrm>
+          <a:prstGeom prst="rect">
+            <a:avLst/>
+          </a:prstGeom>
+          <a:noFill/>
+        </p:spPr>
+        <p:txBody>
+          <a:bodyPr wrap="none" rtlCol="0">
+            <a:spAutoFit/>
+          </a:bodyPr>
+          <a:lstStyle/>
+          <a:p>
+            <a:r>
+              <a:rPr lang="en-US" dirty="0">
+                <a:solidFill>
+                  <a:schemeClr val="bg1"/>
+                </a:solidFill>
+              </a:rPr>
+              <a:t>COPY</a:t>
+            </a:r>
+          </a:p>
+        </p:txBody>
+      </p:sp>
+      <p:sp>
+        <p:nvSpPr>
+          <p:cNvPr id="35" name="TextBox 34">
+            <a:extLst>
+              <a:ext uri="{FF2B5EF4-FFF2-40B4-BE49-F238E27FC236}">
+                <a16:creationId xmlns:a16="http://schemas.microsoft.com/office/drawing/2014/main" id="{596480BB-2457-694B-85B7-C4AA71A8D199}"/>
+              </a:ext>
+            </a:extLst>
+          </p:cNvPr>
+          <p:cNvSpPr txBox="1"/>
+          <p:nvPr/>
+        </p:nvSpPr>
+        <p:spPr>
+          <a:xfrm>
+            <a:off x="10633566" y="6361879"/>
+            <a:ext cx="721672" cy="369332"/>
+          </a:xfrm>
+          <a:prstGeom prst="rect">
+            <a:avLst/>
+          </a:prstGeom>
+          <a:noFill/>
+        </p:spPr>
+        <p:txBody>
+          <a:bodyPr wrap="none" rtlCol="0">
+            <a:spAutoFit/>
+          </a:bodyPr>
+          <a:lstStyle/>
+          <a:p>
+            <a:r>
+              <a:rPr lang="en-US" dirty="0">
+                <a:solidFill>
+                  <a:schemeClr val="bg1"/>
+                </a:solidFill>
+              </a:rPr>
+              <a:t>HOLD</a:t>
+            </a:r>
+          </a:p>
+        </p:txBody>
+      </p:sp>
+    </p:spTree>
+    <p:extLst>
+      <p:ext uri="{BB962C8B-B14F-4D97-AF65-F5344CB8AC3E}">
+        <p14:creationId xmlns:p14="http://schemas.microsoft.com/office/powerpoint/2010/main" val="1040422343"/>
+      </p:ext>
+    </p:extLst>
+  </p:cSld>
+  <p:clrMapOvr>
+    <a:masterClrMapping/>
+  </p:clrMapOvr>
+</p:sld>
+</file>
+
+<file path=ppt/slides/slide21.xml><?xml version="1.0" encoding="utf-8"?>
+<p:sld xmlns:a="http://schemas.openxmlformats.org/drawingml/2006/main" xmlns:r="http://schemas.openxmlformats.org/officeDocument/2006/relationships" xmlns:p="http://schemas.openxmlformats.org/presentationml/2006/main">
+  <p:cSld>
     <p:spTree>
       <p:nvGrpSpPr>
         <p:cNvPr id="1" name=""/>
@@ -22487,7 +23809,7 @@
 </p:sld>
 </file>
 
-<file path=ppt/slides/slide21.xml><?xml version="1.0" encoding="utf-8"?>
+<file path=ppt/slides/slide22.xml><?xml version="1.0" encoding="utf-8"?>
 <p:sld xmlns:a="http://schemas.openxmlformats.org/drawingml/2006/main" xmlns:r="http://schemas.openxmlformats.org/officeDocument/2006/relationships" xmlns:p="http://schemas.openxmlformats.org/presentationml/2006/main">
   <p:cSld>
     <p:spTree>
@@ -23582,7 +24904,7 @@
 </p:sld>
 </file>
 
-<file path=ppt/slides/slide22.xml><?xml version="1.0" encoding="utf-8"?>
+<file path=ppt/slides/slide23.xml><?xml version="1.0" encoding="utf-8"?>
 <p:sld xmlns:a="http://schemas.openxmlformats.org/drawingml/2006/main" xmlns:r="http://schemas.openxmlformats.org/officeDocument/2006/relationships" xmlns:p="http://schemas.openxmlformats.org/presentationml/2006/main">
   <p:cSld>
     <p:spTree>
@@ -25565,7 +26887,7 @@
 </p:sld>
 </file>
 
-<file path=ppt/slides/slide23.xml><?xml version="1.0" encoding="utf-8"?>
+<file path=ppt/slides/slide24.xml><?xml version="1.0" encoding="utf-8"?>
 <p:sld xmlns:a="http://schemas.openxmlformats.org/drawingml/2006/main" xmlns:r="http://schemas.openxmlformats.org/officeDocument/2006/relationships" xmlns:p="http://schemas.openxmlformats.org/presentationml/2006/main">
   <p:cSld>
     <p:spTree>
@@ -26544,7 +27866,7 @@
 </p:sld>
 </file>
 
-<file path=ppt/slides/slide24.xml><?xml version="1.0" encoding="utf-8"?>
+<file path=ppt/slides/slide25.xml><?xml version="1.0" encoding="utf-8"?>
 <p:sld xmlns:a="http://schemas.openxmlformats.org/drawingml/2006/main" xmlns:r="http://schemas.openxmlformats.org/officeDocument/2006/relationships" xmlns:p="http://schemas.openxmlformats.org/presentationml/2006/main">
   <p:cSld>
     <p:spTree>
@@ -28373,7 +29695,7 @@
 </p:sld>
 </file>
 
-<file path=ppt/slides/slide25.xml><?xml version="1.0" encoding="utf-8"?>
+<file path=ppt/slides/slide26.xml><?xml version="1.0" encoding="utf-8"?>
 <p:sld xmlns:a="http://schemas.openxmlformats.org/drawingml/2006/main" xmlns:r="http://schemas.openxmlformats.org/officeDocument/2006/relationships" xmlns:p="http://schemas.openxmlformats.org/presentationml/2006/main">
   <p:cSld>
     <p:spTree>
@@ -28563,7 +29885,7 @@
 </p:sld>
 </file>
 
-<file path=ppt/slides/slide26.xml><?xml version="1.0" encoding="utf-8"?>
+<file path=ppt/slides/slide27.xml><?xml version="1.0" encoding="utf-8"?>
 <p:sld xmlns:a="http://schemas.openxmlformats.org/drawingml/2006/main" xmlns:r="http://schemas.openxmlformats.org/officeDocument/2006/relationships" xmlns:p="http://schemas.openxmlformats.org/presentationml/2006/main">
   <p:cSld>
     <p:spTree>
@@ -36771,7 +38093,7 @@
 </p:sld>
 </file>
 
-<file path=ppt/slides/slide27.xml><?xml version="1.0" encoding="utf-8"?>
+<file path=ppt/slides/slide28.xml><?xml version="1.0" encoding="utf-8"?>
 <p:sld xmlns:a="http://schemas.openxmlformats.org/drawingml/2006/main" xmlns:r="http://schemas.openxmlformats.org/officeDocument/2006/relationships" xmlns:p="http://schemas.openxmlformats.org/presentationml/2006/main">
   <p:cSld>
     <p:spTree>
@@ -38328,7 +39650,7 @@
 </p:sld>
 </file>
 
-<file path=ppt/slides/slide28.xml><?xml version="1.0" encoding="utf-8"?>
+<file path=ppt/slides/slide29.xml><?xml version="1.0" encoding="utf-8"?>
 <p:sld xmlns:a="http://schemas.openxmlformats.org/drawingml/2006/main" xmlns:r="http://schemas.openxmlformats.org/officeDocument/2006/relationships" xmlns:p="http://schemas.openxmlformats.org/presentationml/2006/main">
   <p:cSld>
     <p:spTree>
@@ -38856,132 +40178,6 @@
 </p:sld>
 </file>
 
-<file path=ppt/slides/slide29.xml><?xml version="1.0" encoding="utf-8"?>
-<p:sld xmlns:a="http://schemas.openxmlformats.org/drawingml/2006/main" xmlns:r="http://schemas.openxmlformats.org/officeDocument/2006/relationships" xmlns:p="http://schemas.openxmlformats.org/presentationml/2006/main">
-  <p:cSld>
-    <p:spTree>
-      <p:nvGrpSpPr>
-        <p:cNvPr id="1" name=""/>
-        <p:cNvGrpSpPr/>
-        <p:nvPr/>
-      </p:nvGrpSpPr>
-      <p:grpSpPr>
-        <a:xfrm>
-          <a:off x="0" y="0"/>
-          <a:ext cx="0" cy="0"/>
-          <a:chOff x="0" y="0"/>
-          <a:chExt cx="0" cy="0"/>
-        </a:xfrm>
-      </p:grpSpPr>
-      <p:sp>
-        <p:nvSpPr>
-          <p:cNvPr id="2" name="Title 1">
-            <a:extLst>
-              <a:ext uri="{FF2B5EF4-FFF2-40B4-BE49-F238E27FC236}">
-                <a16:creationId xmlns:a16="http://schemas.microsoft.com/office/drawing/2014/main" id="{1B34AAF1-CF77-6A42-B9E2-AC0792251C52}"/>
-              </a:ext>
-            </a:extLst>
-          </p:cNvPr>
-          <p:cNvSpPr>
-            <a:spLocks noGrp="1"/>
-          </p:cNvSpPr>
-          <p:nvPr>
-            <p:ph type="title"/>
-          </p:nvPr>
-        </p:nvSpPr>
-        <p:spPr/>
-        <p:txBody>
-          <a:bodyPr/>
-          <a:lstStyle/>
-          <a:p>
-            <a:r>
-              <a:rPr lang="en-US" dirty="0"/>
-              <a:t>Future Work: LUTs with RRAM/NEMS</a:t>
-            </a:r>
-          </a:p>
-        </p:txBody>
-      </p:sp>
-      <p:pic>
-        <p:nvPicPr>
-          <p:cNvPr id="5" name="Content Placeholder 4">
-            <a:extLst>
-              <a:ext uri="{FF2B5EF4-FFF2-40B4-BE49-F238E27FC236}">
-                <a16:creationId xmlns:a16="http://schemas.microsoft.com/office/drawing/2014/main" id="{BB4F1BE4-D34B-4F42-9F7A-61AB51356317}"/>
-              </a:ext>
-            </a:extLst>
-          </p:cNvPr>
-          <p:cNvPicPr>
-            <a:picLocks noGrp="1" noChangeAspect="1"/>
-          </p:cNvPicPr>
-          <p:nvPr>
-            <p:ph idx="1"/>
-          </p:nvPr>
-        </p:nvPicPr>
-        <p:blipFill>
-          <a:blip r:embed="rId3"/>
-          <a:stretch>
-            <a:fillRect/>
-          </a:stretch>
-        </p:blipFill>
-        <p:spPr>
-          <a:xfrm>
-            <a:off x="3688684" y="1825625"/>
-            <a:ext cx="4814632" cy="4351338"/>
-          </a:xfrm>
-        </p:spPr>
-      </p:pic>
-      <p:sp>
-        <p:nvSpPr>
-          <p:cNvPr id="6" name="TextBox 5">
-            <a:extLst>
-              <a:ext uri="{FF2B5EF4-FFF2-40B4-BE49-F238E27FC236}">
-                <a16:creationId xmlns:a16="http://schemas.microsoft.com/office/drawing/2014/main" id="{2B328648-E7C0-9E41-B7FE-EE8C7F36BE99}"/>
-              </a:ext>
-            </a:extLst>
-          </p:cNvPr>
-          <p:cNvSpPr txBox="1"/>
-          <p:nvPr/>
-        </p:nvSpPr>
-        <p:spPr>
-          <a:xfrm>
-            <a:off x="838200" y="6374659"/>
-            <a:ext cx="5027979" cy="369332"/>
-          </a:xfrm>
-          <a:prstGeom prst="rect">
-            <a:avLst/>
-          </a:prstGeom>
-          <a:noFill/>
-        </p:spPr>
-        <p:txBody>
-          <a:bodyPr wrap="none" rtlCol="0">
-            <a:spAutoFit/>
-          </a:bodyPr>
-          <a:lstStyle/>
-          <a:p>
-            <a:r>
-              <a:rPr lang="en-US" b="1" dirty="0"/>
-              <a:t>Source:</a:t>
-            </a:r>
-            <a:r>
-              <a:rPr lang="en-US" dirty="0"/>
-              <a:t> FPGA Architectures: An Overview - Springer</a:t>
-            </a:r>
-          </a:p>
-        </p:txBody>
-      </p:sp>
-    </p:spTree>
-    <p:extLst>
-      <p:ext uri="{BB962C8B-B14F-4D97-AF65-F5344CB8AC3E}">
-        <p14:creationId xmlns:p14="http://schemas.microsoft.com/office/powerpoint/2010/main" val="148607542"/>
-      </p:ext>
-    </p:extLst>
-  </p:cSld>
-  <p:clrMapOvr>
-    <a:masterClrMapping/>
-  </p:clrMapOvr>
-</p:sld>
-</file>
-
 <file path=ppt/slides/slide3.xml><?xml version="1.0" encoding="utf-8"?>
 <p:sld xmlns:a="http://schemas.openxmlformats.org/drawingml/2006/main" xmlns:r="http://schemas.openxmlformats.org/officeDocument/2006/relationships" xmlns:p="http://schemas.openxmlformats.org/presentationml/2006/main">
   <p:cSld>
@@ -39383,6 +40579,132 @@
 </file>
 
 <file path=ppt/slides/slide30.xml><?xml version="1.0" encoding="utf-8"?>
+<p:sld xmlns:a="http://schemas.openxmlformats.org/drawingml/2006/main" xmlns:r="http://schemas.openxmlformats.org/officeDocument/2006/relationships" xmlns:p="http://schemas.openxmlformats.org/presentationml/2006/main">
+  <p:cSld>
+    <p:spTree>
+      <p:nvGrpSpPr>
+        <p:cNvPr id="1" name=""/>
+        <p:cNvGrpSpPr/>
+        <p:nvPr/>
+      </p:nvGrpSpPr>
+      <p:grpSpPr>
+        <a:xfrm>
+          <a:off x="0" y="0"/>
+          <a:ext cx="0" cy="0"/>
+          <a:chOff x="0" y="0"/>
+          <a:chExt cx="0" cy="0"/>
+        </a:xfrm>
+      </p:grpSpPr>
+      <p:sp>
+        <p:nvSpPr>
+          <p:cNvPr id="2" name="Title 1">
+            <a:extLst>
+              <a:ext uri="{FF2B5EF4-FFF2-40B4-BE49-F238E27FC236}">
+                <a16:creationId xmlns:a16="http://schemas.microsoft.com/office/drawing/2014/main" id="{1B34AAF1-CF77-6A42-B9E2-AC0792251C52}"/>
+              </a:ext>
+            </a:extLst>
+          </p:cNvPr>
+          <p:cNvSpPr>
+            <a:spLocks noGrp="1"/>
+          </p:cNvSpPr>
+          <p:nvPr>
+            <p:ph type="title"/>
+          </p:nvPr>
+        </p:nvSpPr>
+        <p:spPr/>
+        <p:txBody>
+          <a:bodyPr/>
+          <a:lstStyle/>
+          <a:p>
+            <a:r>
+              <a:rPr lang="en-US" dirty="0"/>
+              <a:t>Future Work: LUTs with RRAM/NEMS</a:t>
+            </a:r>
+          </a:p>
+        </p:txBody>
+      </p:sp>
+      <p:pic>
+        <p:nvPicPr>
+          <p:cNvPr id="5" name="Content Placeholder 4">
+            <a:extLst>
+              <a:ext uri="{FF2B5EF4-FFF2-40B4-BE49-F238E27FC236}">
+                <a16:creationId xmlns:a16="http://schemas.microsoft.com/office/drawing/2014/main" id="{BB4F1BE4-D34B-4F42-9F7A-61AB51356317}"/>
+              </a:ext>
+            </a:extLst>
+          </p:cNvPr>
+          <p:cNvPicPr>
+            <a:picLocks noGrp="1" noChangeAspect="1"/>
+          </p:cNvPicPr>
+          <p:nvPr>
+            <p:ph idx="1"/>
+          </p:nvPr>
+        </p:nvPicPr>
+        <p:blipFill>
+          <a:blip r:embed="rId3"/>
+          <a:stretch>
+            <a:fillRect/>
+          </a:stretch>
+        </p:blipFill>
+        <p:spPr>
+          <a:xfrm>
+            <a:off x="3688684" y="1825625"/>
+            <a:ext cx="4814632" cy="4351338"/>
+          </a:xfrm>
+        </p:spPr>
+      </p:pic>
+      <p:sp>
+        <p:nvSpPr>
+          <p:cNvPr id="6" name="TextBox 5">
+            <a:extLst>
+              <a:ext uri="{FF2B5EF4-FFF2-40B4-BE49-F238E27FC236}">
+                <a16:creationId xmlns:a16="http://schemas.microsoft.com/office/drawing/2014/main" id="{2B328648-E7C0-9E41-B7FE-EE8C7F36BE99}"/>
+              </a:ext>
+            </a:extLst>
+          </p:cNvPr>
+          <p:cNvSpPr txBox="1"/>
+          <p:nvPr/>
+        </p:nvSpPr>
+        <p:spPr>
+          <a:xfrm>
+            <a:off x="838200" y="6374659"/>
+            <a:ext cx="5027979" cy="369332"/>
+          </a:xfrm>
+          <a:prstGeom prst="rect">
+            <a:avLst/>
+          </a:prstGeom>
+          <a:noFill/>
+        </p:spPr>
+        <p:txBody>
+          <a:bodyPr wrap="none" rtlCol="0">
+            <a:spAutoFit/>
+          </a:bodyPr>
+          <a:lstStyle/>
+          <a:p>
+            <a:r>
+              <a:rPr lang="en-US" b="1" dirty="0"/>
+              <a:t>Source:</a:t>
+            </a:r>
+            <a:r>
+              <a:rPr lang="en-US" dirty="0"/>
+              <a:t> FPGA Architectures: An Overview - Springer</a:t>
+            </a:r>
+          </a:p>
+        </p:txBody>
+      </p:sp>
+    </p:spTree>
+    <p:extLst>
+      <p:ext uri="{BB962C8B-B14F-4D97-AF65-F5344CB8AC3E}">
+        <p14:creationId xmlns:p14="http://schemas.microsoft.com/office/powerpoint/2010/main" val="148607542"/>
+      </p:ext>
+    </p:extLst>
+  </p:cSld>
+  <p:clrMapOvr>
+    <a:masterClrMapping/>
+  </p:clrMapOvr>
+</p:sld>
+</file>
+
+<file path=ppt/slides/slide31.xml><?xml version="1.0" encoding="utf-8"?>
 <p:sld xmlns:a="http://schemas.openxmlformats.org/drawingml/2006/main" xmlns:r="http://schemas.openxmlformats.org/officeDocument/2006/relationships" xmlns:p="http://schemas.openxmlformats.org/presentationml/2006/main">
   <p:cSld>
     <p:spTree>
@@ -41615,7 +42937,7 @@
 </p:sld>
 </file>
 
-<file path=ppt/slides/slide31.xml><?xml version="1.0" encoding="utf-8"?>
+<file path=ppt/slides/slide32.xml><?xml version="1.0" encoding="utf-8"?>
 <p:sld xmlns:a="http://schemas.openxmlformats.org/drawingml/2006/main" xmlns:r="http://schemas.openxmlformats.org/officeDocument/2006/relationships" xmlns:p="http://schemas.openxmlformats.org/presentationml/2006/main">
   <p:cSld>
     <p:spTree>
@@ -42240,7 +43562,7 @@
 </p:sld>
 </file>
 
-<file path=ppt/slides/slide32.xml><?xml version="1.0" encoding="utf-8"?>
+<file path=ppt/slides/slide33.xml><?xml version="1.0" encoding="utf-8"?>
 <p:sld xmlns:a="http://schemas.openxmlformats.org/drawingml/2006/main" xmlns:r="http://schemas.openxmlformats.org/officeDocument/2006/relationships" xmlns:p="http://schemas.openxmlformats.org/presentationml/2006/main">
   <p:cSld>
     <p:spTree>
